--- a/Recommendation System using Wide&DeepNeuralNetworks.pptx
+++ b/Recommendation System using Wide&DeepNeuralNetworks.pptx
@@ -5,19 +5,27 @@
     <p:sldMasterId id="2147483660" r:id="rId1"/>
   </p:sldMasterIdLst>
   <p:notesMasterIdLst>
-    <p:notesMasterId r:id="rId9"/>
+    <p:notesMasterId r:id="rId17"/>
   </p:notesMasterIdLst>
   <p:handoutMasterIdLst>
-    <p:handoutMasterId r:id="rId10"/>
+    <p:handoutMasterId r:id="rId18"/>
   </p:handoutMasterIdLst>
   <p:sldIdLst>
     <p:sldId id="257" r:id="rId2"/>
-    <p:sldId id="258" r:id="rId3"/>
-    <p:sldId id="259" r:id="rId4"/>
-    <p:sldId id="260" r:id="rId5"/>
-    <p:sldId id="261" r:id="rId6"/>
-    <p:sldId id="262" r:id="rId7"/>
-    <p:sldId id="263" r:id="rId8"/>
+    <p:sldId id="259" r:id="rId3"/>
+    <p:sldId id="266" r:id="rId4"/>
+    <p:sldId id="274" r:id="rId5"/>
+    <p:sldId id="275" r:id="rId6"/>
+    <p:sldId id="276" r:id="rId7"/>
+    <p:sldId id="267" r:id="rId8"/>
+    <p:sldId id="277" r:id="rId9"/>
+    <p:sldId id="278" r:id="rId10"/>
+    <p:sldId id="268" r:id="rId11"/>
+    <p:sldId id="279" r:id="rId12"/>
+    <p:sldId id="269" r:id="rId13"/>
+    <p:sldId id="271" r:id="rId14"/>
+    <p:sldId id="262" r:id="rId15"/>
+    <p:sldId id="280" r:id="rId16"/>
   </p:sldIdLst>
   <p:sldSz cx="12188825" cy="6858000"/>
   <p:notesSz cx="6858000" cy="9144000"/>
@@ -284,7 +292,7 @@
           <a:p>
             <a:fld id="{24CE221E-83ED-4F6C-BA5F-3F9E6FDB6953}" type="datetimeFigureOut">
               <a:rPr lang="en-US"/>
-              <a:t>4/16/2018</a:t>
+              <a:t>4/23/2018</a:t>
             </a:fld>
             <a:endParaRPr dirty="0"/>
           </a:p>
@@ -449,7 +457,7 @@
           <a:p>
             <a:fld id="{97853E5F-CE67-483C-A264-F17AC70E9CA2}" type="datetimeFigureOut">
               <a:rPr lang="en-US"/>
-              <a:t>4/16/2018</a:t>
+              <a:t>4/23/2018</a:t>
             </a:fld>
             <a:endParaRPr dirty="0"/>
           </a:p>
@@ -1041,7 +1049,7 @@
           <a:p>
             <a:fld id="{3E0FA9E5-6744-4841-888F-9E7CC0C2B7EC}" type="datetimeFigureOut">
               <a:rPr lang="en-US" smtClean="0"/>
-              <a:t>4/16/2018</a:t>
+              <a:t>4/23/2018</a:t>
             </a:fld>
             <a:endParaRPr lang="en-US" dirty="0"/>
           </a:p>
@@ -1231,7 +1239,7 @@
           <a:p>
             <a:fld id="{3E0FA9E5-6744-4841-888F-9E7CC0C2B7EC}" type="datetimeFigureOut">
               <a:rPr lang="en-US" smtClean="0"/>
-              <a:t>4/16/2018</a:t>
+              <a:t>4/23/2018</a:t>
             </a:fld>
             <a:endParaRPr lang="en-US" dirty="0"/>
           </a:p>
@@ -1426,7 +1434,7 @@
           <a:p>
             <a:fld id="{3E0FA9E5-6744-4841-888F-9E7CC0C2B7EC}" type="datetimeFigureOut">
               <a:rPr lang="en-US" smtClean="0"/>
-              <a:t>4/16/2018</a:t>
+              <a:t>4/23/2018</a:t>
             </a:fld>
             <a:endParaRPr lang="en-US" dirty="0"/>
           </a:p>
@@ -1611,7 +1619,7 @@
           <a:p>
             <a:fld id="{3E0FA9E5-6744-4841-888F-9E7CC0C2B7EC}" type="datetimeFigureOut">
               <a:rPr lang="en-US" smtClean="0"/>
-              <a:t>4/16/2018</a:t>
+              <a:t>4/23/2018</a:t>
             </a:fld>
             <a:endParaRPr lang="en-US" dirty="0"/>
           </a:p>
@@ -1880,7 +1888,7 @@
           <a:p>
             <a:fld id="{3E0FA9E5-6744-4841-888F-9E7CC0C2B7EC}" type="datetimeFigureOut">
               <a:rPr lang="en-US" smtClean="0"/>
-              <a:t>4/16/2018</a:t>
+              <a:t>4/23/2018</a:t>
             </a:fld>
             <a:endParaRPr lang="en-US" dirty="0"/>
           </a:p>
@@ -2187,7 +2195,7 @@
           <a:p>
             <a:fld id="{3E0FA9E5-6744-4841-888F-9E7CC0C2B7EC}" type="datetimeFigureOut">
               <a:rPr lang="en-US" smtClean="0"/>
-              <a:t>4/16/2018</a:t>
+              <a:t>4/23/2018</a:t>
             </a:fld>
             <a:endParaRPr lang="en-US" dirty="0"/>
           </a:p>
@@ -2643,7 +2651,7 @@
           <a:p>
             <a:fld id="{3E0FA9E5-6744-4841-888F-9E7CC0C2B7EC}" type="datetimeFigureOut">
               <a:rPr lang="en-US" smtClean="0"/>
-              <a:t>4/16/2018</a:t>
+              <a:t>4/23/2018</a:t>
             </a:fld>
             <a:endParaRPr lang="en-US" dirty="0"/>
           </a:p>
@@ -2776,7 +2784,7 @@
           <a:p>
             <a:fld id="{3E0FA9E5-6744-4841-888F-9E7CC0C2B7EC}" type="datetimeFigureOut">
               <a:rPr lang="en-US" smtClean="0"/>
-              <a:t>4/16/2018</a:t>
+              <a:t>4/23/2018</a:t>
             </a:fld>
             <a:endParaRPr lang="en-US" dirty="0"/>
           </a:p>
@@ -2886,7 +2894,7 @@
           <a:p>
             <a:fld id="{3E0FA9E5-6744-4841-888F-9E7CC0C2B7EC}" type="datetimeFigureOut">
               <a:rPr lang="en-US" smtClean="0"/>
-              <a:t>4/16/2018</a:t>
+              <a:t>4/23/2018</a:t>
             </a:fld>
             <a:endParaRPr lang="en-US" dirty="0"/>
           </a:p>
@@ -3197,7 +3205,7 @@
           <a:p>
             <a:fld id="{3E0FA9E5-6744-4841-888F-9E7CC0C2B7EC}" type="datetimeFigureOut">
               <a:rPr lang="en-US" smtClean="0"/>
-              <a:t>4/16/2018</a:t>
+              <a:t>4/23/2018</a:t>
             </a:fld>
             <a:endParaRPr lang="en-US" dirty="0"/>
           </a:p>
@@ -3674,7 +3682,7 @@
             <a:fld id="{3E0FA9E5-6744-4841-888F-9E7CC0C2B7EC}" type="datetimeFigureOut">
               <a:rPr lang="en-US" smtClean="0"/>
               <a:pPr/>
-              <a:t>4/16/2018</a:t>
+              <a:t>4/23/2018</a:t>
             </a:fld>
             <a:endParaRPr lang="en-US" dirty="0"/>
           </a:p>
@@ -4102,43 +4110,64 @@
             <p:ph type="ctrTitle"/>
           </p:nvPr>
         </p:nvSpPr>
-        <p:spPr/>
+        <p:spPr>
+          <a:xfrm>
+            <a:off x="1065214" y="533400"/>
+            <a:ext cx="7467598" cy="2514601"/>
+          </a:xfrm>
+        </p:spPr>
+        <p:txBody>
+          <a:bodyPr>
+            <a:normAutofit/>
+          </a:bodyPr>
+          <a:lstStyle/>
+          <a:p>
+            <a:r>
+              <a:rPr lang="en-US" b="0" dirty="0"/>
+              <a:t>Wide and Deep Learning for Recommendation Systems</a:t>
+            </a:r>
+          </a:p>
+        </p:txBody>
+      </p:sp>
+      <p:sp>
+        <p:nvSpPr>
+          <p:cNvPr id="3" name="Content Placeholder 2"/>
+          <p:cNvSpPr>
+            <a:spLocks noGrp="1"/>
+          </p:cNvSpPr>
+          <p:nvPr>
+            <p:ph type="subTitle" idx="1"/>
+          </p:nvPr>
+        </p:nvSpPr>
+        <p:spPr>
+          <a:xfrm>
+            <a:off x="1065214" y="3403600"/>
+            <a:ext cx="8229598" cy="1397000"/>
+          </a:xfrm>
+        </p:spPr>
         <p:txBody>
           <a:bodyPr/>
           <a:lstStyle/>
           <a:p>
             <a:r>
+              <a:rPr lang="en-US" b="1" dirty="0"/>
+              <a:t>CS795/895 Big Data and Recommender Systems</a:t>
+            </a:r>
+          </a:p>
+          <a:p>
+            <a:r>
+              <a:rPr lang="en-US" b="1" dirty="0"/>
+              <a:t>				</a:t>
+            </a:r>
+          </a:p>
+          <a:p>
+            <a:r>
+              <a:rPr lang="en-US" b="1" dirty="0"/>
+              <a:t>				</a:t>
+            </a:r>
+            <a:r>
               <a:rPr lang="en-US" dirty="0"/>
-              <a:t>Recommending</a:t>
-            </a:r>
-            <a:br>
-              <a:rPr lang="en-US" dirty="0"/>
-            </a:br>
-            <a:r>
-              <a:rPr lang="en-US" dirty="0"/>
-              <a:t>a Strategy</a:t>
-            </a:r>
-          </a:p>
-        </p:txBody>
-      </p:sp>
-      <p:sp>
-        <p:nvSpPr>
-          <p:cNvPr id="3" name="Content Placeholder 2"/>
-          <p:cNvSpPr>
-            <a:spLocks noGrp="1"/>
-          </p:cNvSpPr>
-          <p:nvPr>
-            <p:ph type="subTitle" idx="1"/>
-          </p:nvPr>
-        </p:nvSpPr>
-        <p:spPr/>
-        <p:txBody>
-          <a:bodyPr/>
-          <a:lstStyle/>
-          <a:p>
-            <a:r>
-              <a:rPr lang="en-US" dirty="0"/>
-              <a:t>Ideas for today and tomorrow</a:t>
+              <a:t>Raja Harsha Chinta</a:t>
             </a:r>
           </a:p>
           <a:p>
@@ -4150,6 +4179,873 @@
     <p:extLst>
       <p:ext uri="{BB962C8B-B14F-4D97-AF65-F5344CB8AC3E}">
         <p14:creationId xmlns:p14="http://schemas.microsoft.com/office/powerpoint/2010/main" val="3658128150"/>
+      </p:ext>
+    </p:extLst>
+  </p:cSld>
+  <p:clrMapOvr>
+    <a:masterClrMapping/>
+  </p:clrMapOvr>
+  <mc:AlternateContent xmlns:mc="http://schemas.openxmlformats.org/markup-compatibility/2006" xmlns:p14="http://schemas.microsoft.com/office/powerpoint/2010/main">
+    <mc:Choice Requires="p14">
+      <p:transition spd="med" p14:dur="700">
+        <p:fade/>
+      </p:transition>
+    </mc:Choice>
+    <mc:Fallback xmlns="">
+      <p:transition spd="med">
+        <p:fade/>
+      </p:transition>
+    </mc:Fallback>
+  </mc:AlternateContent>
+</p:sld>
+</file>
+
+<file path=ppt/slides/slide10.xml><?xml version="1.0" encoding="utf-8"?>
+<p:sld xmlns:a="http://schemas.openxmlformats.org/drawingml/2006/main" xmlns:r="http://schemas.openxmlformats.org/officeDocument/2006/relationships" xmlns:p="http://schemas.openxmlformats.org/presentationml/2006/main">
+  <p:cSld>
+    <p:spTree>
+      <p:nvGrpSpPr>
+        <p:cNvPr id="1" name=""/>
+        <p:cNvGrpSpPr/>
+        <p:nvPr/>
+      </p:nvGrpSpPr>
+      <p:grpSpPr>
+        <a:xfrm>
+          <a:off x="0" y="0"/>
+          <a:ext cx="0" cy="0"/>
+          <a:chOff x="0" y="0"/>
+          <a:chExt cx="0" cy="0"/>
+        </a:xfrm>
+      </p:grpSpPr>
+      <p:sp>
+        <p:nvSpPr>
+          <p:cNvPr id="2" name="Title 1">
+            <a:extLst>
+              <a:ext uri="{FF2B5EF4-FFF2-40B4-BE49-F238E27FC236}">
+                <a16:creationId xmlns:a16="http://schemas.microsoft.com/office/drawing/2014/main" id="{57918CFB-0C4D-4751-AAF8-A4C78D82BB4B}"/>
+              </a:ext>
+            </a:extLst>
+          </p:cNvPr>
+          <p:cNvSpPr>
+            <a:spLocks noGrp="1"/>
+          </p:cNvSpPr>
+          <p:nvPr>
+            <p:ph type="title"/>
+          </p:nvPr>
+        </p:nvSpPr>
+        <p:spPr>
+          <a:xfrm>
+            <a:off x="1065212" y="-228600"/>
+            <a:ext cx="8686801" cy="1066800"/>
+          </a:xfrm>
+        </p:spPr>
+        <p:txBody>
+          <a:bodyPr/>
+          <a:lstStyle/>
+          <a:p>
+            <a:r>
+              <a:rPr lang="en-US" dirty="0"/>
+              <a:t>Deep Component Example</a:t>
+            </a:r>
+          </a:p>
+        </p:txBody>
+      </p:sp>
+      <p:sp>
+        <p:nvSpPr>
+          <p:cNvPr id="3" name="Content Placeholder 2">
+            <a:extLst>
+              <a:ext uri="{FF2B5EF4-FFF2-40B4-BE49-F238E27FC236}">
+                <a16:creationId xmlns:a16="http://schemas.microsoft.com/office/drawing/2014/main" id="{CC57EFA1-BBC0-47B6-AE4B-1C9C511785D4}"/>
+              </a:ext>
+            </a:extLst>
+          </p:cNvPr>
+          <p:cNvSpPr>
+            <a:spLocks noGrp="1"/>
+          </p:cNvSpPr>
+          <p:nvPr>
+            <p:ph idx="1"/>
+          </p:nvPr>
+        </p:nvSpPr>
+        <p:spPr>
+          <a:xfrm>
+            <a:off x="1065212" y="4800600"/>
+            <a:ext cx="8686801" cy="1371600"/>
+          </a:xfrm>
+        </p:spPr>
+        <p:txBody>
+          <a:bodyPr/>
+          <a:lstStyle/>
+          <a:p>
+            <a:r>
+              <a:rPr lang="en-US" dirty="0"/>
+              <a:t>Now, users asks for similar, but different food.</a:t>
+            </a:r>
+          </a:p>
+          <a:p>
+            <a:r>
+              <a:rPr lang="en-US" dirty="0"/>
+              <a:t>Similar food are close in the Embedding Space.</a:t>
+            </a:r>
+          </a:p>
+        </p:txBody>
+      </p:sp>
+      <p:pic>
+        <p:nvPicPr>
+          <p:cNvPr id="4" name="Picture 3">
+            <a:extLst>
+              <a:ext uri="{FF2B5EF4-FFF2-40B4-BE49-F238E27FC236}">
+                <a16:creationId xmlns:a16="http://schemas.microsoft.com/office/drawing/2014/main" id="{E45D1949-826A-4769-8FBD-FFE83D144956}"/>
+              </a:ext>
+            </a:extLst>
+          </p:cNvPr>
+          <p:cNvPicPr>
+            <a:picLocks noChangeAspect="1"/>
+          </p:cNvPicPr>
+          <p:nvPr/>
+        </p:nvPicPr>
+        <p:blipFill>
+          <a:blip r:embed="rId2"/>
+          <a:stretch>
+            <a:fillRect/>
+          </a:stretch>
+        </p:blipFill>
+        <p:spPr>
+          <a:xfrm>
+            <a:off x="2055811" y="1067684"/>
+            <a:ext cx="8458201" cy="3503432"/>
+          </a:xfrm>
+          <a:prstGeom prst="rect">
+            <a:avLst/>
+          </a:prstGeom>
+        </p:spPr>
+      </p:pic>
+    </p:spTree>
+    <p:extLst>
+      <p:ext uri="{BB962C8B-B14F-4D97-AF65-F5344CB8AC3E}">
+        <p14:creationId xmlns:p14="http://schemas.microsoft.com/office/powerpoint/2010/main" val="176840001"/>
+      </p:ext>
+    </p:extLst>
+  </p:cSld>
+  <p:clrMapOvr>
+    <a:masterClrMapping/>
+  </p:clrMapOvr>
+  <mc:AlternateContent xmlns:mc="http://schemas.openxmlformats.org/markup-compatibility/2006" xmlns:p14="http://schemas.microsoft.com/office/powerpoint/2010/main">
+    <mc:Choice Requires="p14">
+      <p:transition spd="med" p14:dur="700">
+        <p:fade/>
+      </p:transition>
+    </mc:Choice>
+    <mc:Fallback xmlns="">
+      <p:transition spd="med">
+        <p:fade/>
+      </p:transition>
+    </mc:Fallback>
+  </mc:AlternateContent>
+</p:sld>
+</file>
+
+<file path=ppt/slides/slide11.xml><?xml version="1.0" encoding="utf-8"?>
+<p:sld xmlns:a="http://schemas.openxmlformats.org/drawingml/2006/main" xmlns:r="http://schemas.openxmlformats.org/officeDocument/2006/relationships" xmlns:p="http://schemas.openxmlformats.org/presentationml/2006/main">
+  <p:cSld>
+    <p:spTree>
+      <p:nvGrpSpPr>
+        <p:cNvPr id="1" name=""/>
+        <p:cNvGrpSpPr/>
+        <p:nvPr/>
+      </p:nvGrpSpPr>
+      <p:grpSpPr>
+        <a:xfrm>
+          <a:off x="0" y="0"/>
+          <a:ext cx="0" cy="0"/>
+          <a:chOff x="0" y="0"/>
+          <a:chExt cx="0" cy="0"/>
+        </a:xfrm>
+      </p:grpSpPr>
+      <p:sp>
+        <p:nvSpPr>
+          <p:cNvPr id="2" name="Title 1">
+            <a:extLst>
+              <a:ext uri="{FF2B5EF4-FFF2-40B4-BE49-F238E27FC236}">
+                <a16:creationId xmlns:a16="http://schemas.microsoft.com/office/drawing/2014/main" id="{7700516D-4DE9-4F63-9F44-214B52744068}"/>
+              </a:ext>
+            </a:extLst>
+          </p:cNvPr>
+          <p:cNvSpPr>
+            <a:spLocks noGrp="1"/>
+          </p:cNvSpPr>
+          <p:nvPr>
+            <p:ph type="title"/>
+          </p:nvPr>
+        </p:nvSpPr>
+        <p:spPr>
+          <a:xfrm>
+            <a:off x="1065212" y="152400"/>
+            <a:ext cx="8686801" cy="1066800"/>
+          </a:xfrm>
+        </p:spPr>
+        <p:txBody>
+          <a:bodyPr/>
+          <a:lstStyle/>
+          <a:p>
+            <a:r>
+              <a:rPr lang="en-US" dirty="0"/>
+              <a:t>Joint Training of Wide &amp; Deep Model</a:t>
+            </a:r>
+          </a:p>
+        </p:txBody>
+      </p:sp>
+      <p:sp>
+        <p:nvSpPr>
+          <p:cNvPr id="3" name="Content Placeholder 2">
+            <a:extLst>
+              <a:ext uri="{FF2B5EF4-FFF2-40B4-BE49-F238E27FC236}">
+                <a16:creationId xmlns:a16="http://schemas.microsoft.com/office/drawing/2014/main" id="{6CE493A8-C2BF-40EE-88DF-1CA0A09F62F9}"/>
+              </a:ext>
+            </a:extLst>
+          </p:cNvPr>
+          <p:cNvSpPr>
+            <a:spLocks noGrp="1"/>
+          </p:cNvSpPr>
+          <p:nvPr>
+            <p:ph idx="1"/>
+          </p:nvPr>
+        </p:nvSpPr>
+        <p:spPr>
+          <a:xfrm>
+            <a:off x="1065212" y="1447800"/>
+            <a:ext cx="10058400" cy="4191000"/>
+          </a:xfrm>
+        </p:spPr>
+        <p:txBody>
+          <a:bodyPr/>
+          <a:lstStyle/>
+          <a:p>
+            <a:r>
+              <a:rPr lang="en-US" dirty="0"/>
+              <a:t>The wide component and deep component are combined using a weighted sum of their output log odds as the prediction, which is then fed to a common logistic loss function for joint training.</a:t>
+            </a:r>
+          </a:p>
+          <a:p>
+            <a:r>
+              <a:rPr lang="en-US" dirty="0"/>
+              <a:t>Joint training optimizes all parameters simultaneously by taking both the wide and deep part as well as the weights of their sum into account at training time.</a:t>
+            </a:r>
+          </a:p>
+          <a:p>
+            <a:r>
+              <a:rPr lang="en-US" dirty="0"/>
+              <a:t>Joint training of a Wide &amp; Deep Model is done by back-propagating the gradients from the output to both the wide and deep part of the model simultaneously using mini-batch stochastic optimization.</a:t>
+            </a:r>
+          </a:p>
+          <a:p>
+            <a:r>
+              <a:rPr lang="en-US" dirty="0"/>
+              <a:t>L1 regularization is used for wide part and </a:t>
+            </a:r>
+            <a:r>
+              <a:rPr lang="en-US" dirty="0" err="1"/>
+              <a:t>AdaGrad</a:t>
+            </a:r>
+            <a:r>
+              <a:rPr lang="en-US" dirty="0"/>
+              <a:t> for deep part and FLTR (Follow-the-Regularization-Leader) optimizer.</a:t>
+            </a:r>
+          </a:p>
+          <a:p>
+            <a:endParaRPr lang="en-US" dirty="0"/>
+          </a:p>
+        </p:txBody>
+      </p:sp>
+      <p:pic>
+        <p:nvPicPr>
+          <p:cNvPr id="4" name="Picture 3">
+            <a:extLst>
+              <a:ext uri="{FF2B5EF4-FFF2-40B4-BE49-F238E27FC236}">
+                <a16:creationId xmlns:a16="http://schemas.microsoft.com/office/drawing/2014/main" id="{ED3D4FCF-F66A-46DF-A8E5-64A91F78DD87}"/>
+              </a:ext>
+            </a:extLst>
+          </p:cNvPr>
+          <p:cNvPicPr>
+            <a:picLocks noChangeAspect="1"/>
+          </p:cNvPicPr>
+          <p:nvPr/>
+        </p:nvPicPr>
+        <p:blipFill>
+          <a:blip r:embed="rId2"/>
+          <a:stretch>
+            <a:fillRect/>
+          </a:stretch>
+        </p:blipFill>
+        <p:spPr>
+          <a:xfrm>
+            <a:off x="2208212" y="5213925"/>
+            <a:ext cx="7214896" cy="653475"/>
+          </a:xfrm>
+          <a:prstGeom prst="rect">
+            <a:avLst/>
+          </a:prstGeom>
+        </p:spPr>
+      </p:pic>
+    </p:spTree>
+    <p:extLst>
+      <p:ext uri="{BB962C8B-B14F-4D97-AF65-F5344CB8AC3E}">
+        <p14:creationId xmlns:p14="http://schemas.microsoft.com/office/powerpoint/2010/main" val="3614164321"/>
+      </p:ext>
+    </p:extLst>
+  </p:cSld>
+  <p:clrMapOvr>
+    <a:masterClrMapping/>
+  </p:clrMapOvr>
+  <mc:AlternateContent xmlns:mc="http://schemas.openxmlformats.org/markup-compatibility/2006" xmlns:p14="http://schemas.microsoft.com/office/powerpoint/2010/main">
+    <mc:Choice Requires="p14">
+      <p:transition spd="med" p14:dur="700">
+        <p:fade/>
+      </p:transition>
+    </mc:Choice>
+    <mc:Fallback xmlns="">
+      <p:transition spd="med">
+        <p:fade/>
+      </p:transition>
+    </mc:Fallback>
+  </mc:AlternateContent>
+</p:sld>
+</file>
+
+<file path=ppt/slides/slide12.xml><?xml version="1.0" encoding="utf-8"?>
+<p:sld xmlns:a="http://schemas.openxmlformats.org/drawingml/2006/main" xmlns:r="http://schemas.openxmlformats.org/officeDocument/2006/relationships" xmlns:p="http://schemas.openxmlformats.org/presentationml/2006/main">
+  <p:cSld>
+    <p:spTree>
+      <p:nvGrpSpPr>
+        <p:cNvPr id="1" name=""/>
+        <p:cNvGrpSpPr/>
+        <p:nvPr/>
+      </p:nvGrpSpPr>
+      <p:grpSpPr>
+        <a:xfrm>
+          <a:off x="0" y="0"/>
+          <a:ext cx="0" cy="0"/>
+          <a:chOff x="0" y="0"/>
+          <a:chExt cx="0" cy="0"/>
+        </a:xfrm>
+      </p:grpSpPr>
+      <p:sp>
+        <p:nvSpPr>
+          <p:cNvPr id="2" name="Title 1">
+            <a:extLst>
+              <a:ext uri="{FF2B5EF4-FFF2-40B4-BE49-F238E27FC236}">
+                <a16:creationId xmlns:a16="http://schemas.microsoft.com/office/drawing/2014/main" id="{AF15F59D-4FDF-410E-927B-FB9CBD001294}"/>
+              </a:ext>
+            </a:extLst>
+          </p:cNvPr>
+          <p:cNvSpPr>
+            <a:spLocks noGrp="1"/>
+          </p:cNvSpPr>
+          <p:nvPr>
+            <p:ph type="title"/>
+          </p:nvPr>
+        </p:nvSpPr>
+        <p:spPr>
+          <a:xfrm>
+            <a:off x="1065212" y="457200"/>
+            <a:ext cx="8686801" cy="762000"/>
+          </a:xfrm>
+        </p:spPr>
+        <p:txBody>
+          <a:bodyPr/>
+          <a:lstStyle/>
+          <a:p>
+            <a:r>
+              <a:rPr lang="en-US" dirty="0"/>
+              <a:t>Wide &amp; Deep Model</a:t>
+            </a:r>
+          </a:p>
+        </p:txBody>
+      </p:sp>
+      <p:sp>
+        <p:nvSpPr>
+          <p:cNvPr id="3" name="Content Placeholder 2">
+            <a:extLst>
+              <a:ext uri="{FF2B5EF4-FFF2-40B4-BE49-F238E27FC236}">
+                <a16:creationId xmlns:a16="http://schemas.microsoft.com/office/drawing/2014/main" id="{6324F92B-DCA7-475F-9302-84DC3056B851}"/>
+              </a:ext>
+            </a:extLst>
+          </p:cNvPr>
+          <p:cNvSpPr>
+            <a:spLocks noGrp="1"/>
+          </p:cNvSpPr>
+          <p:nvPr>
+            <p:ph idx="1"/>
+          </p:nvPr>
+        </p:nvSpPr>
+        <p:spPr>
+          <a:xfrm>
+            <a:off x="1674812" y="5715000"/>
+            <a:ext cx="9144000" cy="304800"/>
+          </a:xfrm>
+        </p:spPr>
+        <p:txBody>
+          <a:bodyPr>
+            <a:normAutofit fontScale="92500" lnSpcReduction="20000"/>
+          </a:bodyPr>
+          <a:lstStyle/>
+          <a:p>
+            <a:endParaRPr lang="en-US" dirty="0"/>
+          </a:p>
+        </p:txBody>
+      </p:sp>
+      <p:pic>
+        <p:nvPicPr>
+          <p:cNvPr id="4" name="Picture 3">
+            <a:extLst>
+              <a:ext uri="{FF2B5EF4-FFF2-40B4-BE49-F238E27FC236}">
+                <a16:creationId xmlns:a16="http://schemas.microsoft.com/office/drawing/2014/main" id="{F74A5847-B898-4FA9-BAC9-79F761441312}"/>
+              </a:ext>
+            </a:extLst>
+          </p:cNvPr>
+          <p:cNvPicPr>
+            <a:picLocks noChangeAspect="1"/>
+          </p:cNvPicPr>
+          <p:nvPr/>
+        </p:nvPicPr>
+        <p:blipFill>
+          <a:blip r:embed="rId2"/>
+          <a:stretch>
+            <a:fillRect/>
+          </a:stretch>
+        </p:blipFill>
+        <p:spPr>
+          <a:xfrm>
+            <a:off x="1061979" y="1447800"/>
+            <a:ext cx="8915400" cy="3768866"/>
+          </a:xfrm>
+          <a:prstGeom prst="rect">
+            <a:avLst/>
+          </a:prstGeom>
+        </p:spPr>
+      </p:pic>
+    </p:spTree>
+    <p:extLst>
+      <p:ext uri="{BB962C8B-B14F-4D97-AF65-F5344CB8AC3E}">
+        <p14:creationId xmlns:p14="http://schemas.microsoft.com/office/powerpoint/2010/main" val="4097594588"/>
+      </p:ext>
+    </p:extLst>
+  </p:cSld>
+  <p:clrMapOvr>
+    <a:masterClrMapping/>
+  </p:clrMapOvr>
+  <mc:AlternateContent xmlns:mc="http://schemas.openxmlformats.org/markup-compatibility/2006" xmlns:p14="http://schemas.microsoft.com/office/powerpoint/2010/main">
+    <mc:Choice Requires="p14">
+      <p:transition spd="med" p14:dur="700">
+        <p:fade/>
+      </p:transition>
+    </mc:Choice>
+    <mc:Fallback xmlns="">
+      <p:transition spd="med">
+        <p:fade/>
+      </p:transition>
+    </mc:Fallback>
+  </mc:AlternateContent>
+</p:sld>
+</file>
+
+<file path=ppt/slides/slide13.xml><?xml version="1.0" encoding="utf-8"?>
+<p:sld xmlns:a="http://schemas.openxmlformats.org/drawingml/2006/main" xmlns:r="http://schemas.openxmlformats.org/officeDocument/2006/relationships" xmlns:p="http://schemas.openxmlformats.org/presentationml/2006/main">
+  <p:cSld>
+    <p:spTree>
+      <p:nvGrpSpPr>
+        <p:cNvPr id="1" name=""/>
+        <p:cNvGrpSpPr/>
+        <p:nvPr/>
+      </p:nvGrpSpPr>
+      <p:grpSpPr>
+        <a:xfrm>
+          <a:off x="0" y="0"/>
+          <a:ext cx="0" cy="0"/>
+          <a:chOff x="0" y="0"/>
+          <a:chExt cx="0" cy="0"/>
+        </a:xfrm>
+      </p:grpSpPr>
+      <p:sp>
+        <p:nvSpPr>
+          <p:cNvPr id="2" name="Title 1">
+            <a:extLst>
+              <a:ext uri="{FF2B5EF4-FFF2-40B4-BE49-F238E27FC236}">
+                <a16:creationId xmlns:a16="http://schemas.microsoft.com/office/drawing/2014/main" id="{4CEC278A-2965-46C1-93B7-D69507FB7F53}"/>
+              </a:ext>
+            </a:extLst>
+          </p:cNvPr>
+          <p:cNvSpPr>
+            <a:spLocks noGrp="1"/>
+          </p:cNvSpPr>
+          <p:nvPr>
+            <p:ph type="title"/>
+          </p:nvPr>
+        </p:nvSpPr>
+        <p:spPr>
+          <a:xfrm>
+            <a:off x="1065212" y="152400"/>
+            <a:ext cx="8686801" cy="1066800"/>
+          </a:xfrm>
+        </p:spPr>
+        <p:txBody>
+          <a:bodyPr/>
+          <a:lstStyle/>
+          <a:p>
+            <a:r>
+              <a:rPr lang="en-US" dirty="0"/>
+              <a:t>Real-World Results</a:t>
+            </a:r>
+          </a:p>
+        </p:txBody>
+      </p:sp>
+      <p:pic>
+        <p:nvPicPr>
+          <p:cNvPr id="4" name="Content Placeholder 3">
+            <a:extLst>
+              <a:ext uri="{FF2B5EF4-FFF2-40B4-BE49-F238E27FC236}">
+                <a16:creationId xmlns:a16="http://schemas.microsoft.com/office/drawing/2014/main" id="{47D4E033-5E80-4DB0-8424-5762E9F78A7D}"/>
+              </a:ext>
+            </a:extLst>
+          </p:cNvPr>
+          <p:cNvPicPr>
+            <a:picLocks noGrp="1" noChangeAspect="1"/>
+          </p:cNvPicPr>
+          <p:nvPr>
+            <p:ph idx="1"/>
+          </p:nvPr>
+        </p:nvPicPr>
+        <p:blipFill>
+          <a:blip r:embed="rId2"/>
+          <a:stretch>
+            <a:fillRect/>
+          </a:stretch>
+        </p:blipFill>
+        <p:spPr>
+          <a:xfrm>
+            <a:off x="2484437" y="3733800"/>
+            <a:ext cx="6229350" cy="1857375"/>
+          </a:xfrm>
+          <a:prstGeom prst="rect">
+            <a:avLst/>
+          </a:prstGeom>
+        </p:spPr>
+      </p:pic>
+      <p:sp>
+        <p:nvSpPr>
+          <p:cNvPr id="5" name="TextBox 4">
+            <a:extLst>
+              <a:ext uri="{FF2B5EF4-FFF2-40B4-BE49-F238E27FC236}">
+                <a16:creationId xmlns:a16="http://schemas.microsoft.com/office/drawing/2014/main" id="{13EAE726-FBDF-4FCD-BC01-30C5B3D542C5}"/>
+              </a:ext>
+            </a:extLst>
+          </p:cNvPr>
+          <p:cNvSpPr txBox="1"/>
+          <p:nvPr/>
+        </p:nvSpPr>
+        <p:spPr>
+          <a:xfrm>
+            <a:off x="1065212" y="1751214"/>
+            <a:ext cx="9067800" cy="1338828"/>
+          </a:xfrm>
+          <a:prstGeom prst="rect">
+            <a:avLst/>
+          </a:prstGeom>
+          <a:noFill/>
+          <a:ln>
+            <a:solidFill>
+              <a:schemeClr val="bg2"/>
+            </a:solidFill>
+          </a:ln>
+        </p:spPr>
+        <p:txBody>
+          <a:bodyPr wrap="square" rtlCol="0" anchor="ctr" anchorCtr="1">
+            <a:spAutoFit/>
+          </a:bodyPr>
+          <a:lstStyle/>
+          <a:p>
+            <a:pPr marL="285750" indent="-285750">
+              <a:lnSpc>
+                <a:spcPct val="150000"/>
+              </a:lnSpc>
+              <a:buFont typeface="Arial" panose="020B0604020202020204" pitchFamily="34" charset="0"/>
+              <a:buChar char="•"/>
+            </a:pPr>
+            <a:r>
+              <a:rPr lang="en-US" dirty="0"/>
+              <a:t>Google’s App recommender servers score over 10 million apps per second. </a:t>
+            </a:r>
+          </a:p>
+          <a:p>
+            <a:pPr marL="285750" indent="-285750">
+              <a:lnSpc>
+                <a:spcPct val="150000"/>
+              </a:lnSpc>
+              <a:buFont typeface="Arial" panose="020B0604020202020204" pitchFamily="34" charset="0"/>
+              <a:buChar char="•"/>
+            </a:pPr>
+            <a:r>
+              <a:rPr lang="en-US" dirty="0"/>
+              <a:t>With single threading, scoring all candidates in a single batch: 31 </a:t>
+            </a:r>
+            <a:r>
+              <a:rPr lang="en-US" dirty="0" err="1"/>
+              <a:t>ms</a:t>
+            </a:r>
+            <a:endParaRPr lang="en-US" dirty="0"/>
+          </a:p>
+          <a:p>
+            <a:pPr marL="285750" indent="-285750">
+              <a:lnSpc>
+                <a:spcPct val="150000"/>
+              </a:lnSpc>
+              <a:buFont typeface="Arial" panose="020B0604020202020204" pitchFamily="34" charset="0"/>
+              <a:buChar char="•"/>
+            </a:pPr>
+            <a:r>
+              <a:rPr lang="en-US" dirty="0"/>
+              <a:t>With multithreading and split each batch into smaller sizes: 14 </a:t>
+            </a:r>
+            <a:r>
+              <a:rPr lang="en-US" dirty="0" err="1"/>
+              <a:t>ms</a:t>
+            </a:r>
+            <a:endParaRPr lang="en-US" dirty="0"/>
+          </a:p>
+        </p:txBody>
+      </p:sp>
+    </p:spTree>
+    <p:extLst>
+      <p:ext uri="{BB962C8B-B14F-4D97-AF65-F5344CB8AC3E}">
+        <p14:creationId xmlns:p14="http://schemas.microsoft.com/office/powerpoint/2010/main" val="2346188199"/>
+      </p:ext>
+    </p:extLst>
+  </p:cSld>
+  <p:clrMapOvr>
+    <a:masterClrMapping/>
+  </p:clrMapOvr>
+  <mc:AlternateContent xmlns:mc="http://schemas.openxmlformats.org/markup-compatibility/2006" xmlns:p14="http://schemas.microsoft.com/office/powerpoint/2010/main">
+    <mc:Choice Requires="p14">
+      <p:transition spd="med" p14:dur="700">
+        <p:fade/>
+      </p:transition>
+    </mc:Choice>
+    <mc:Fallback xmlns="">
+      <p:transition spd="med">
+        <p:fade/>
+      </p:transition>
+    </mc:Fallback>
+  </mc:AlternateContent>
+</p:sld>
+</file>
+
+<file path=ppt/slides/slide14.xml><?xml version="1.0" encoding="utf-8"?>
+<p:sld xmlns:a="http://schemas.openxmlformats.org/drawingml/2006/main" xmlns:r="http://schemas.openxmlformats.org/officeDocument/2006/relationships" xmlns:p="http://schemas.openxmlformats.org/presentationml/2006/main">
+  <p:cSld>
+    <p:spTree>
+      <p:nvGrpSpPr>
+        <p:cNvPr id="1" name=""/>
+        <p:cNvGrpSpPr/>
+        <p:nvPr/>
+      </p:nvGrpSpPr>
+      <p:grpSpPr>
+        <a:xfrm>
+          <a:off x="0" y="0"/>
+          <a:ext cx="0" cy="0"/>
+          <a:chOff x="0" y="0"/>
+          <a:chExt cx="0" cy="0"/>
+        </a:xfrm>
+      </p:grpSpPr>
+      <p:sp>
+        <p:nvSpPr>
+          <p:cNvPr id="2" name="Title 1"/>
+          <p:cNvSpPr>
+            <a:spLocks noGrp="1"/>
+          </p:cNvSpPr>
+          <p:nvPr>
+            <p:ph type="title"/>
+          </p:nvPr>
+        </p:nvSpPr>
+        <p:spPr/>
+        <p:txBody>
+          <a:bodyPr/>
+          <a:lstStyle/>
+          <a:p>
+            <a:r>
+              <a:rPr lang="en-US" dirty="0"/>
+              <a:t>References</a:t>
+            </a:r>
+          </a:p>
+        </p:txBody>
+      </p:sp>
+      <p:sp>
+        <p:nvSpPr>
+          <p:cNvPr id="3" name="Content Placeholder 2"/>
+          <p:cNvSpPr>
+            <a:spLocks noGrp="1"/>
+          </p:cNvSpPr>
+          <p:nvPr>
+            <p:ph idx="1"/>
+          </p:nvPr>
+        </p:nvSpPr>
+        <p:spPr/>
+        <p:txBody>
+          <a:bodyPr/>
+          <a:lstStyle/>
+          <a:p>
+            <a:r>
+              <a:rPr lang="en-US" dirty="0">
+                <a:hlinkClick r:id="rId2"/>
+              </a:rPr>
+              <a:t>https://engineering.linkedin.com/data/publications/kdd-2017/deep-learning-tutorial</a:t>
+            </a:r>
+            <a:endParaRPr lang="en-US" dirty="0"/>
+          </a:p>
+          <a:p>
+            <a:r>
+              <a:rPr lang="en-US" dirty="0">
+                <a:hlinkClick r:id="rId3"/>
+              </a:rPr>
+              <a:t>https://github.com/amygdala/tensorflow-workshop/tree/master/workshop_sections/wide_n_deep</a:t>
+            </a:r>
+            <a:endParaRPr lang="en-US" dirty="0"/>
+          </a:p>
+          <a:p>
+            <a:r>
+              <a:rPr lang="en-US" dirty="0">
+                <a:hlinkClick r:id="rId4"/>
+              </a:rPr>
+              <a:t>https://research.googleblog.com/2016/06/wide-deep-learning-better-together-with.html</a:t>
+            </a:r>
+            <a:endParaRPr lang="en-US" dirty="0"/>
+          </a:p>
+          <a:p>
+            <a:endParaRPr lang="en-US" dirty="0"/>
+          </a:p>
+          <a:p>
+            <a:endParaRPr lang="en-US" dirty="0"/>
+          </a:p>
+          <a:p>
+            <a:endParaRPr lang="en-US" dirty="0"/>
+          </a:p>
+        </p:txBody>
+      </p:sp>
+    </p:spTree>
+    <p:extLst>
+      <p:ext uri="{BB962C8B-B14F-4D97-AF65-F5344CB8AC3E}">
+        <p14:creationId xmlns:p14="http://schemas.microsoft.com/office/powerpoint/2010/main" val="1173429218"/>
+      </p:ext>
+    </p:extLst>
+  </p:cSld>
+  <p:clrMapOvr>
+    <a:masterClrMapping/>
+  </p:clrMapOvr>
+  <mc:AlternateContent xmlns:mc="http://schemas.openxmlformats.org/markup-compatibility/2006" xmlns:p14="http://schemas.microsoft.com/office/powerpoint/2010/main">
+    <mc:Choice Requires="p14">
+      <p:transition spd="med" p14:dur="700">
+        <p:fade/>
+      </p:transition>
+    </mc:Choice>
+    <mc:Fallback xmlns="">
+      <p:transition spd="med">
+        <p:fade/>
+      </p:transition>
+    </mc:Fallback>
+  </mc:AlternateContent>
+</p:sld>
+</file>
+
+<file path=ppt/slides/slide15.xml><?xml version="1.0" encoding="utf-8"?>
+<p:sld xmlns:a="http://schemas.openxmlformats.org/drawingml/2006/main" xmlns:r="http://schemas.openxmlformats.org/officeDocument/2006/relationships" xmlns:p="http://schemas.openxmlformats.org/presentationml/2006/main">
+  <p:cSld>
+    <p:spTree>
+      <p:nvGrpSpPr>
+        <p:cNvPr id="1" name=""/>
+        <p:cNvGrpSpPr/>
+        <p:nvPr/>
+      </p:nvGrpSpPr>
+      <p:grpSpPr>
+        <a:xfrm>
+          <a:off x="0" y="0"/>
+          <a:ext cx="0" cy="0"/>
+          <a:chOff x="0" y="0"/>
+          <a:chExt cx="0" cy="0"/>
+        </a:xfrm>
+      </p:grpSpPr>
+      <p:sp>
+        <p:nvSpPr>
+          <p:cNvPr id="2" name="Title 1">
+            <a:extLst>
+              <a:ext uri="{FF2B5EF4-FFF2-40B4-BE49-F238E27FC236}">
+                <a16:creationId xmlns:a16="http://schemas.microsoft.com/office/drawing/2014/main" id="{C31A0488-87ED-44E5-B5BC-48E670B61E42}"/>
+              </a:ext>
+            </a:extLst>
+          </p:cNvPr>
+          <p:cNvSpPr>
+            <a:spLocks noGrp="1"/>
+          </p:cNvSpPr>
+          <p:nvPr>
+            <p:ph type="title"/>
+          </p:nvPr>
+        </p:nvSpPr>
+        <p:spPr>
+          <a:xfrm>
+            <a:off x="4418012" y="2438400"/>
+            <a:ext cx="8686801" cy="1066800"/>
+          </a:xfrm>
+        </p:spPr>
+        <p:txBody>
+          <a:bodyPr/>
+          <a:lstStyle/>
+          <a:p>
+            <a:r>
+              <a:rPr lang="en-US" dirty="0"/>
+              <a:t>Thank you</a:t>
+            </a:r>
+          </a:p>
+        </p:txBody>
+      </p:sp>
+      <p:sp>
+        <p:nvSpPr>
+          <p:cNvPr id="5" name="Content Placeholder 4">
+            <a:extLst>
+              <a:ext uri="{FF2B5EF4-FFF2-40B4-BE49-F238E27FC236}">
+                <a16:creationId xmlns:a16="http://schemas.microsoft.com/office/drawing/2014/main" id="{6FDD9429-3FFF-4297-955F-C761CC0EC1C8}"/>
+              </a:ext>
+            </a:extLst>
+          </p:cNvPr>
+          <p:cNvSpPr>
+            <a:spLocks noGrp="1"/>
+          </p:cNvSpPr>
+          <p:nvPr>
+            <p:ph idx="1"/>
+          </p:nvPr>
+        </p:nvSpPr>
+        <p:spPr>
+          <a:xfrm>
+            <a:off x="3427412" y="5943600"/>
+            <a:ext cx="6096000" cy="457200"/>
+          </a:xfrm>
+        </p:spPr>
+        <p:txBody>
+          <a:bodyPr>
+            <a:normAutofit/>
+          </a:bodyPr>
+          <a:lstStyle/>
+          <a:p>
+            <a:pPr marL="45720" indent="0">
+              <a:buNone/>
+            </a:pPr>
+            <a:r>
+              <a:rPr lang="en-US" sz="1600" dirty="0"/>
+              <a:t>Please write your queries to rchin001@odu.edu</a:t>
+            </a:r>
+          </a:p>
+        </p:txBody>
+      </p:sp>
+    </p:spTree>
+    <p:extLst>
+      <p:ext uri="{BB962C8B-B14F-4D97-AF65-F5344CB8AC3E}">
+        <p14:creationId xmlns:p14="http://schemas.microsoft.com/office/powerpoint/2010/main" val="694992748"/>
       </p:ext>
     </p:extLst>
   </p:cSld>
@@ -4205,7 +5101,7 @@
           <a:p>
             <a:r>
               <a:rPr lang="en-US" dirty="0"/>
-              <a:t>Vision Statement</a:t>
+              <a:t>Abstract</a:t>
             </a:r>
           </a:p>
         </p:txBody>
@@ -4220,25 +5116,39 @@
             <p:ph idx="1"/>
           </p:nvPr>
         </p:nvSpPr>
-        <p:spPr/>
+        <p:spPr>
+          <a:xfrm>
+            <a:off x="1065212" y="2209800"/>
+            <a:ext cx="9372600" cy="2133600"/>
+          </a:xfrm>
+        </p:spPr>
         <p:txBody>
           <a:bodyPr/>
           <a:lstStyle/>
           <a:p>
-            <a:r>
+            <a:pPr marL="45720" indent="0">
+              <a:buNone/>
+            </a:pPr>
+            <a:br>
               <a:rPr lang="en-US" dirty="0"/>
-              <a:t>State the vision and long term direction.</a:t>
-            </a:r>
-          </a:p>
-          <a:p>
+            </a:br>
             <a:endParaRPr lang="en-US" dirty="0"/>
+          </a:p>
+          <a:p>
+            <a:pPr marL="45720" indent="0">
+              <a:buNone/>
+            </a:pPr>
+            <a:r>
+              <a:rPr lang="en-US" dirty="0"/>
+              <a:t>Generalized linear models with nonlinear feature transformations are widely used for large-scale regression and classification problems with sparse inputs.</a:t>
+            </a:r>
           </a:p>
         </p:txBody>
       </p:sp>
     </p:spTree>
     <p:extLst>
       <p:ext uri="{BB962C8B-B14F-4D97-AF65-F5344CB8AC3E}">
-        <p14:creationId xmlns:p14="http://schemas.microsoft.com/office/powerpoint/2010/main" val="1637310646"/>
+        <p14:creationId xmlns:p14="http://schemas.microsoft.com/office/powerpoint/2010/main" val="2772895749"/>
       </p:ext>
     </p:extLst>
   </p:cSld>
@@ -4279,7 +5189,13 @@
       </p:grpSpPr>
       <p:sp>
         <p:nvSpPr>
-          <p:cNvPr id="2" name="Title 1"/>
+          <p:cNvPr id="2" name="Title 1">
+            <a:extLst>
+              <a:ext uri="{FF2B5EF4-FFF2-40B4-BE49-F238E27FC236}">
+                <a16:creationId xmlns:a16="http://schemas.microsoft.com/office/drawing/2014/main" id="{1D548859-788E-411F-9897-D83B91AC70D8}"/>
+              </a:ext>
+            </a:extLst>
+          </p:cNvPr>
           <p:cNvSpPr>
             <a:spLocks noGrp="1"/>
           </p:cNvSpPr>
@@ -4287,59 +5203,57 @@
             <p:ph type="title"/>
           </p:nvPr>
         </p:nvSpPr>
-        <p:spPr/>
+        <p:spPr>
+          <a:xfrm>
+            <a:off x="1065212" y="0"/>
+            <a:ext cx="8686801" cy="1066800"/>
+          </a:xfrm>
+        </p:spPr>
         <p:txBody>
           <a:bodyPr/>
           <a:lstStyle/>
           <a:p>
             <a:r>
               <a:rPr lang="en-US" dirty="0"/>
-              <a:t>Abstract</a:t>
-            </a:r>
-          </a:p>
-        </p:txBody>
-      </p:sp>
-      <p:sp>
-        <p:nvSpPr>
-          <p:cNvPr id="3" name="Content Placeholder 2"/>
-          <p:cNvSpPr>
-            <a:spLocks noGrp="1"/>
-          </p:cNvSpPr>
-          <p:nvPr>
-            <p:ph idx="1"/>
-          </p:nvPr>
-        </p:nvSpPr>
-        <p:spPr/>
-        <p:txBody>
-          <a:bodyPr/>
-          <a:lstStyle/>
-          <a:p>
-            <a:r>
-              <a:rPr lang="en-US" dirty="0"/>
-              <a:t>State the desired goal.</a:t>
-            </a:r>
-          </a:p>
-          <a:p>
-            <a:r>
-              <a:rPr lang="en-US" dirty="0"/>
-              <a:t>State the desired objective.	</a:t>
-            </a:r>
-          </a:p>
-          <a:p>
-            <a:r>
-              <a:rPr lang="en-US" dirty="0"/>
-              <a:t>Use multiple points if necessary.</a:t>
-            </a:r>
-          </a:p>
-          <a:p>
-            <a:endParaRPr lang="en-US" dirty="0"/>
-          </a:p>
-        </p:txBody>
-      </p:sp>
+              <a:t>Recommender Systems Overview</a:t>
+            </a:r>
+          </a:p>
+        </p:txBody>
+      </p:sp>
+      <p:pic>
+        <p:nvPicPr>
+          <p:cNvPr id="4" name="Picture 3">
+            <a:extLst>
+              <a:ext uri="{FF2B5EF4-FFF2-40B4-BE49-F238E27FC236}">
+                <a16:creationId xmlns:a16="http://schemas.microsoft.com/office/drawing/2014/main" id="{A055B16D-17FF-4BB6-8980-4D26FBE6D06A}"/>
+              </a:ext>
+            </a:extLst>
+          </p:cNvPr>
+          <p:cNvPicPr>
+            <a:picLocks noChangeAspect="1"/>
+          </p:cNvPicPr>
+          <p:nvPr/>
+        </p:nvPicPr>
+        <p:blipFill>
+          <a:blip r:embed="rId2"/>
+          <a:stretch>
+            <a:fillRect/>
+          </a:stretch>
+        </p:blipFill>
+        <p:spPr>
+          <a:xfrm>
+            <a:off x="1522412" y="1447800"/>
+            <a:ext cx="7735967" cy="3886200"/>
+          </a:xfrm>
+          <a:prstGeom prst="rect">
+            <a:avLst/>
+          </a:prstGeom>
+        </p:spPr>
+      </p:pic>
     </p:spTree>
     <p:extLst>
       <p:ext uri="{BB962C8B-B14F-4D97-AF65-F5344CB8AC3E}">
-        <p14:creationId xmlns:p14="http://schemas.microsoft.com/office/powerpoint/2010/main" val="2772895749"/>
+        <p14:creationId xmlns:p14="http://schemas.microsoft.com/office/powerpoint/2010/main" val="3073562954"/>
       </p:ext>
     </p:extLst>
   </p:cSld>
@@ -4380,7 +5294,13 @@
       </p:grpSpPr>
       <p:sp>
         <p:nvSpPr>
-          <p:cNvPr id="2" name="Title 1"/>
+          <p:cNvPr id="2" name="Title 1">
+            <a:extLst>
+              <a:ext uri="{FF2B5EF4-FFF2-40B4-BE49-F238E27FC236}">
+                <a16:creationId xmlns:a16="http://schemas.microsoft.com/office/drawing/2014/main" id="{3B02310A-DBC2-4510-9C1B-D9956FDC3954}"/>
+              </a:ext>
+            </a:extLst>
+          </p:cNvPr>
           <p:cNvSpPr>
             <a:spLocks noGrp="1"/>
           </p:cNvSpPr>
@@ -4388,50 +5308,166 @@
             <p:ph type="title"/>
           </p:nvPr>
         </p:nvSpPr>
-        <p:spPr/>
-        <p:txBody>
-          <a:bodyPr/>
+        <p:spPr>
+          <a:xfrm>
+            <a:off x="1065212" y="76200"/>
+            <a:ext cx="8686801" cy="1143000"/>
+          </a:xfrm>
+        </p:spPr>
+        <p:txBody>
+          <a:bodyPr>
+            <a:normAutofit/>
+          </a:bodyPr>
           <a:lstStyle/>
           <a:p>
             <a:r>
+              <a:rPr lang="en-US" sz="3200" dirty="0"/>
+              <a:t>Generalization &amp; Memorization</a:t>
+            </a:r>
+          </a:p>
+        </p:txBody>
+      </p:sp>
+      <p:sp>
+        <p:nvSpPr>
+          <p:cNvPr id="3" name="Content Placeholder 2">
+            <a:extLst>
+              <a:ext uri="{FF2B5EF4-FFF2-40B4-BE49-F238E27FC236}">
+                <a16:creationId xmlns:a16="http://schemas.microsoft.com/office/drawing/2014/main" id="{25F5E5C4-C7E9-4E3A-B92D-EFB1E852F737}"/>
+              </a:ext>
+            </a:extLst>
+          </p:cNvPr>
+          <p:cNvSpPr>
+            <a:spLocks noGrp="1"/>
+          </p:cNvSpPr>
+          <p:nvPr>
+            <p:ph idx="1"/>
+          </p:nvPr>
+        </p:nvSpPr>
+        <p:spPr>
+          <a:xfrm>
+            <a:off x="1065212" y="1371600"/>
+            <a:ext cx="9753600" cy="4953000"/>
+          </a:xfrm>
+        </p:spPr>
+        <p:txBody>
+          <a:bodyPr>
+            <a:normAutofit/>
+          </a:bodyPr>
+          <a:lstStyle/>
+          <a:p>
+            <a:pPr marL="45720" indent="0">
+              <a:buNone/>
+            </a:pPr>
+            <a:r>
+              <a:rPr lang="en-US" b="1" dirty="0"/>
+              <a:t>Generalization</a:t>
+            </a:r>
+          </a:p>
+          <a:p>
+            <a:pPr marL="45720" indent="0">
+              <a:buNone/>
+            </a:pPr>
+            <a:r>
               <a:rPr lang="en-US" dirty="0"/>
-              <a:t>Today’s Situation</a:t>
-            </a:r>
-          </a:p>
-        </p:txBody>
-      </p:sp>
-      <p:sp>
-        <p:nvSpPr>
-          <p:cNvPr id="3" name="Content Placeholder 2"/>
-          <p:cNvSpPr>
-            <a:spLocks noGrp="1"/>
-          </p:cNvSpPr>
-          <p:nvPr>
-            <p:ph idx="1"/>
-          </p:nvPr>
-        </p:nvSpPr>
-        <p:spPr/>
-        <p:txBody>
-          <a:bodyPr/>
-          <a:lstStyle/>
-          <a:p>
+              <a:t>Generalizing the statements and applying them for events not seen.</a:t>
+            </a:r>
+          </a:p>
+          <a:p>
+            <a:pPr lvl="1"/>
             <a:r>
               <a:rPr lang="en-US" dirty="0"/>
-              <a:t>Summary of the current situation.</a:t>
-            </a:r>
-          </a:p>
-          <a:p>
+              <a:t>“Sparrows can fly.”</a:t>
+            </a:r>
+          </a:p>
+          <a:p>
+            <a:pPr lvl="1"/>
             <a:r>
               <a:rPr lang="en-US" dirty="0"/>
-              <a:t>Use brief bullets, discuss details verbally.</a:t>
-            </a:r>
+              <a:t>“Pigeons can fly.” </a:t>
+            </a:r>
+          </a:p>
+          <a:p>
+            <a:pPr marL="45720" indent="0">
+              <a:buNone/>
+            </a:pPr>
+            <a:r>
+              <a:rPr lang="en-US" dirty="0">
+                <a:sym typeface="Wingdings" panose="05000000000000000000" pitchFamily="2" charset="2"/>
+              </a:rPr>
+              <a:t>	   </a:t>
+            </a:r>
+            <a:r>
+              <a:rPr lang="en-US" dirty="0"/>
+              <a:t>“Animals with wings can fly.”</a:t>
+            </a:r>
+            <a:endParaRPr lang="en-US" b="1" dirty="0"/>
+          </a:p>
+          <a:p>
+            <a:pPr marL="45720" indent="0">
+              <a:buNone/>
+            </a:pPr>
+            <a:r>
+              <a:rPr lang="en-US" b="1" dirty="0"/>
+              <a:t>Memorization</a:t>
+            </a:r>
+          </a:p>
+          <a:p>
+            <a:pPr marL="45720" indent="0">
+              <a:buNone/>
+            </a:pPr>
+            <a:r>
+              <a:rPr lang="en-US" dirty="0"/>
+              <a:t>Memorization further refine our Generalization rules with exceptions.</a:t>
+            </a:r>
+          </a:p>
+          <a:p>
+            <a:pPr marL="365760" lvl="1" indent="0">
+              <a:buNone/>
+            </a:pPr>
+            <a:r>
+              <a:rPr lang="en-US" dirty="0">
+                <a:sym typeface="Wingdings" panose="05000000000000000000" pitchFamily="2" charset="2"/>
+              </a:rPr>
+              <a:t>	    </a:t>
+            </a:r>
+            <a:r>
+              <a:rPr lang="en-US" dirty="0"/>
+              <a:t>“Penguins can’t fly.”</a:t>
+            </a:r>
+            <a:endParaRPr lang="en-US" b="1" dirty="0"/>
+          </a:p>
+          <a:p>
+            <a:pPr marL="45720" indent="0">
+              <a:lnSpc>
+                <a:spcPct val="150000"/>
+              </a:lnSpc>
+              <a:buNone/>
+            </a:pPr>
+            <a:r>
+              <a:rPr lang="en-US" b="1" dirty="0"/>
+              <a:t>Jointly training </a:t>
+            </a:r>
+            <a:r>
+              <a:rPr lang="en-US" dirty="0"/>
+              <a:t>a wide linear model (for Memorization) alongside Deep Neural Network (for Generalization) can combine strengths of these two. </a:t>
+            </a:r>
+          </a:p>
+          <a:p>
+            <a:pPr marL="365760" lvl="1" indent="0">
+              <a:buNone/>
+            </a:pPr>
+            <a:endParaRPr lang="en-US" dirty="0"/>
+          </a:p>
+          <a:p>
+            <a:pPr lvl="1"/>
+            <a:endParaRPr lang="en-US" dirty="0"/>
           </a:p>
         </p:txBody>
       </p:sp>
     </p:spTree>
     <p:extLst>
       <p:ext uri="{BB962C8B-B14F-4D97-AF65-F5344CB8AC3E}">
-        <p14:creationId xmlns:p14="http://schemas.microsoft.com/office/powerpoint/2010/main" val="421519693"/>
+        <p14:creationId xmlns:p14="http://schemas.microsoft.com/office/powerpoint/2010/main" val="4287199383"/>
       </p:ext>
     </p:extLst>
   </p:cSld>
@@ -4472,7 +5508,13 @@
       </p:grpSpPr>
       <p:sp>
         <p:nvSpPr>
-          <p:cNvPr id="2" name="Title 1"/>
+          <p:cNvPr id="2" name="Title 1">
+            <a:extLst>
+              <a:ext uri="{FF2B5EF4-FFF2-40B4-BE49-F238E27FC236}">
+                <a16:creationId xmlns:a16="http://schemas.microsoft.com/office/drawing/2014/main" id="{4F60F830-CD9D-4F60-8FDB-10A55454BAA8}"/>
+              </a:ext>
+            </a:extLst>
+          </p:cNvPr>
           <p:cNvSpPr>
             <a:spLocks noGrp="1"/>
           </p:cNvSpPr>
@@ -4487,14 +5529,20 @@
           <a:p>
             <a:r>
               <a:rPr lang="en-US" dirty="0"/>
-              <a:t>How Did We Get Here?</a:t>
-            </a:r>
-          </a:p>
-        </p:txBody>
-      </p:sp>
-      <p:sp>
-        <p:nvSpPr>
-          <p:cNvPr id="3" name="Content Placeholder 2"/>
+              <a:t>Wide &amp; Deep Learning</a:t>
+            </a:r>
+          </a:p>
+        </p:txBody>
+      </p:sp>
+      <p:sp>
+        <p:nvSpPr>
+          <p:cNvPr id="3" name="Content Placeholder 2">
+            <a:extLst>
+              <a:ext uri="{FF2B5EF4-FFF2-40B4-BE49-F238E27FC236}">
+                <a16:creationId xmlns:a16="http://schemas.microsoft.com/office/drawing/2014/main" id="{210DCA9B-B614-406A-B685-35356F39608B}"/>
+              </a:ext>
+            </a:extLst>
+          </p:cNvPr>
           <p:cNvSpPr>
             <a:spLocks noGrp="1"/>
           </p:cNvSpPr>
@@ -4502,20 +5550,65 @@
             <p:ph idx="1"/>
           </p:nvPr>
         </p:nvSpPr>
-        <p:spPr/>
+        <p:spPr>
+          <a:xfrm>
+            <a:off x="1065212" y="1828800"/>
+            <a:ext cx="10134600" cy="4191000"/>
+          </a:xfrm>
+        </p:spPr>
         <p:txBody>
           <a:bodyPr/>
           <a:lstStyle/>
           <a:p>
+            <a:endParaRPr lang="en-US" dirty="0"/>
+          </a:p>
+          <a:p>
+            <a:pPr>
+              <a:lnSpc>
+                <a:spcPct val="150000"/>
+              </a:lnSpc>
+            </a:pPr>
             <a:r>
               <a:rPr lang="en-US" dirty="0"/>
-              <a:t>Any relevant historical information.</a:t>
-            </a:r>
-          </a:p>
-          <a:p>
+              <a:t>Wide &amp; Deep Learning combines the power of Memorization and Generalization by joining Wide Linear Models and Deep Neural Networks.</a:t>
+            </a:r>
+          </a:p>
+          <a:p>
+            <a:pPr>
+              <a:lnSpc>
+                <a:spcPct val="150000"/>
+              </a:lnSpc>
+            </a:pPr>
             <a:r>
               <a:rPr lang="en-US" dirty="0"/>
-              <a:t>Original assumptions that are no longer valid.</a:t>
+              <a:t>Google has released and </a:t>
+            </a:r>
+            <a:r>
+              <a:rPr lang="en-US" dirty="0" err="1"/>
+              <a:t>Tflearn</a:t>
+            </a:r>
+            <a:r>
+              <a:rPr lang="en-US" dirty="0"/>
+              <a:t> API on top of </a:t>
+            </a:r>
+            <a:r>
+              <a:rPr lang="en-US" dirty="0" err="1"/>
+              <a:t>TensorFlow</a:t>
+            </a:r>
+            <a:r>
+              <a:rPr lang="en-US" dirty="0"/>
+              <a:t> to use this model.</a:t>
+            </a:r>
+          </a:p>
+          <a:p>
+            <a:pPr>
+              <a:lnSpc>
+                <a:spcPct val="150000"/>
+              </a:lnSpc>
+            </a:pPr>
+            <a:r>
+              <a:rPr lang="en-US" dirty="0"/>
+              <a:t>Good for generic large scale Regression and Classification problems with Sparse inputs like Recommender Systems, Search and Ranking Problems.</a:t>
             </a:r>
           </a:p>
         </p:txBody>
@@ -4523,7 +5616,7 @@
     </p:spTree>
     <p:extLst>
       <p:ext uri="{BB962C8B-B14F-4D97-AF65-F5344CB8AC3E}">
-        <p14:creationId xmlns:p14="http://schemas.microsoft.com/office/powerpoint/2010/main" val="3388139804"/>
+        <p14:creationId xmlns:p14="http://schemas.microsoft.com/office/powerpoint/2010/main" val="1366262575"/>
       </p:ext>
     </p:extLst>
   </p:cSld>
@@ -4564,7 +5657,13 @@
       </p:grpSpPr>
       <p:sp>
         <p:nvSpPr>
-          <p:cNvPr id="2" name="Title 1"/>
+          <p:cNvPr id="2" name="Title 1">
+            <a:extLst>
+              <a:ext uri="{FF2B5EF4-FFF2-40B4-BE49-F238E27FC236}">
+                <a16:creationId xmlns:a16="http://schemas.microsoft.com/office/drawing/2014/main" id="{114621DE-F6E9-4192-8A55-3BEEAFB2FAE4}"/>
+              </a:ext>
+            </a:extLst>
+          </p:cNvPr>
           <p:cNvSpPr>
             <a:spLocks noGrp="1"/>
           </p:cNvSpPr>
@@ -4572,21 +5671,32 @@
             <p:ph type="title"/>
           </p:nvPr>
         </p:nvSpPr>
-        <p:spPr/>
+        <p:spPr>
+          <a:xfrm>
+            <a:off x="1063624" y="228600"/>
+            <a:ext cx="8686801" cy="1066800"/>
+          </a:xfrm>
+        </p:spPr>
         <p:txBody>
           <a:bodyPr/>
           <a:lstStyle/>
           <a:p>
             <a:r>
               <a:rPr lang="en-US" dirty="0"/>
-              <a:t>References</a:t>
-            </a:r>
-          </a:p>
-        </p:txBody>
-      </p:sp>
-      <p:sp>
-        <p:nvSpPr>
-          <p:cNvPr id="3" name="Content Placeholder 2"/>
+              <a:t>Recommendation Problem</a:t>
+            </a:r>
+          </a:p>
+        </p:txBody>
+      </p:sp>
+      <p:sp>
+        <p:nvSpPr>
+          <p:cNvPr id="3" name="Content Placeholder 2">
+            <a:extLst>
+              <a:ext uri="{FF2B5EF4-FFF2-40B4-BE49-F238E27FC236}">
+                <a16:creationId xmlns:a16="http://schemas.microsoft.com/office/drawing/2014/main" id="{BCA2AB89-409B-4DB2-B66D-89CCCF66AAC0}"/>
+              </a:ext>
+            </a:extLst>
+          </p:cNvPr>
           <p:cNvSpPr>
             <a:spLocks noGrp="1"/>
           </p:cNvSpPr>
@@ -4594,17 +5704,105 @@
             <p:ph idx="1"/>
           </p:nvPr>
         </p:nvSpPr>
-        <p:spPr/>
-        <p:txBody>
-          <a:bodyPr/>
+        <p:spPr>
+          <a:xfrm>
+            <a:off x="1065212" y="1524000"/>
+            <a:ext cx="10058400" cy="4191000"/>
+          </a:xfrm>
+        </p:spPr>
+        <p:txBody>
+          <a:bodyPr>
+            <a:normAutofit lnSpcReduction="10000"/>
+          </a:bodyPr>
           <a:lstStyle/>
           <a:p>
             <a:r>
+              <a:rPr lang="en-US" dirty="0"/>
+              <a:t>Open a new app FoodIO: Say what food you are craving for (</a:t>
+            </a:r>
+            <a:r>
+              <a:rPr lang="en-US" b="1" dirty="0"/>
+              <a:t>the query</a:t>
+            </a:r>
+            <a:r>
+              <a:rPr lang="en-US" dirty="0"/>
+              <a:t>).</a:t>
+            </a:r>
+          </a:p>
+          <a:p>
+            <a:pPr>
+              <a:lnSpc>
+                <a:spcPct val="150000"/>
+              </a:lnSpc>
+            </a:pPr>
+            <a:r>
+              <a:rPr lang="en-US" dirty="0"/>
+              <a:t>The app match characters and assumes the user may like the best match dish, delivers at your door (</a:t>
+            </a:r>
+            <a:r>
+              <a:rPr lang="en-US" b="1" dirty="0"/>
+              <a:t>the item</a:t>
+            </a:r>
+            <a:r>
+              <a:rPr lang="en-US" dirty="0"/>
+              <a:t>).</a:t>
+            </a:r>
+          </a:p>
+          <a:p>
+            <a:r>
+              <a:rPr lang="en-US" dirty="0"/>
+              <a:t>If user likes the ordered food the score is 1 otherwise it is 0 (</a:t>
+            </a:r>
+            <a:r>
+              <a:rPr lang="en-US" b="1" dirty="0"/>
+              <a:t>the label</a:t>
+            </a:r>
+            <a:r>
+              <a:rPr lang="en-US" dirty="0"/>
+              <a:t>).</a:t>
+            </a:r>
+          </a:p>
+          <a:p>
+            <a:pPr>
+              <a:lnSpc>
+                <a:spcPct val="150000"/>
+              </a:lnSpc>
+            </a:pPr>
+            <a:r>
+              <a:rPr lang="en-US" dirty="0"/>
+              <a:t>User orders are reduced as the matches are in-accurate, so we bring Machine Learning to predict and order the food the user may like more.</a:t>
+            </a:r>
+          </a:p>
+          <a:p>
+            <a:r>
+              <a:rPr lang="en-US" dirty="0"/>
+              <a:t>Example Scenario:</a:t>
+            </a:r>
+          </a:p>
+          <a:p>
+            <a:pPr lvl="1"/>
+            <a:r>
+              <a:rPr lang="en-US" dirty="0"/>
+              <a:t>The query = ‘fried chicken’ </a:t>
+            </a:r>
+            <a:r>
               <a:rPr lang="en-US" dirty="0">
-                <a:hlinkClick r:id="rId2"/>
+                <a:sym typeface="Wingdings" panose="05000000000000000000" pitchFamily="2" charset="2"/>
               </a:rPr>
-              <a:t>https://engineering.linkedin.com/data/publications/kdd-2017/deep-learning-tutorial</a:t>
-            </a:r>
+              <a:t> The item = ‘chicken fried rice’</a:t>
+            </a:r>
+          </a:p>
+          <a:p>
+            <a:pPr lvl="1"/>
+            <a:r>
+              <a:rPr lang="en-US" dirty="0">
+                <a:sym typeface="Wingdings" panose="05000000000000000000" pitchFamily="2" charset="2"/>
+              </a:rPr>
+              <a:t>The label = 0</a:t>
+            </a:r>
+            <a:endParaRPr lang="en-US" dirty="0"/>
+          </a:p>
+          <a:p>
             <a:endParaRPr lang="en-US" dirty="0"/>
           </a:p>
           <a:p>
@@ -4618,7 +5816,7 @@
     </p:spTree>
     <p:extLst>
       <p:ext uri="{BB962C8B-B14F-4D97-AF65-F5344CB8AC3E}">
-        <p14:creationId xmlns:p14="http://schemas.microsoft.com/office/powerpoint/2010/main" val="1173429218"/>
+        <p14:creationId xmlns:p14="http://schemas.microsoft.com/office/powerpoint/2010/main" val="2908737117"/>
       </p:ext>
     </p:extLst>
   </p:cSld>
@@ -4659,7 +5857,13 @@
       </p:grpSpPr>
       <p:sp>
         <p:nvSpPr>
-          <p:cNvPr id="2" name="Title 1"/>
+          <p:cNvPr id="2" name="Title 1">
+            <a:extLst>
+              <a:ext uri="{FF2B5EF4-FFF2-40B4-BE49-F238E27FC236}">
+                <a16:creationId xmlns:a16="http://schemas.microsoft.com/office/drawing/2014/main" id="{1C6C5A0C-3871-4C50-912C-E86E389B36D1}"/>
+              </a:ext>
+            </a:extLst>
+          </p:cNvPr>
           <p:cNvSpPr>
             <a:spLocks noGrp="1"/>
           </p:cNvSpPr>
@@ -4669,8 +5873,8 @@
         </p:nvSpPr>
         <p:spPr>
           <a:xfrm>
-            <a:off x="1065213" y="533400"/>
-            <a:ext cx="4495800" cy="1066800"/>
+            <a:off x="989011" y="76200"/>
+            <a:ext cx="8686801" cy="914400"/>
           </a:xfrm>
         </p:spPr>
         <p:txBody>
@@ -4679,61 +5883,475 @@
           <a:p>
             <a:r>
               <a:rPr lang="en-US" dirty="0"/>
-              <a:t>Why Deep?</a:t>
-            </a:r>
-          </a:p>
-        </p:txBody>
-      </p:sp>
-      <p:sp>
-        <p:nvSpPr>
-          <p:cNvPr id="3" name="Content Placeholder 2"/>
-          <p:cNvSpPr>
-            <a:spLocks noGrp="1"/>
-          </p:cNvSpPr>
-          <p:nvPr>
-            <p:ph idx="1"/>
-          </p:nvPr>
+              <a:t>The Wide Component</a:t>
+            </a:r>
+          </a:p>
+        </p:txBody>
+      </p:sp>
+      <p:sp>
+        <p:nvSpPr>
+          <p:cNvPr id="5" name="Content Placeholder 2">
+            <a:extLst>
+              <a:ext uri="{FF2B5EF4-FFF2-40B4-BE49-F238E27FC236}">
+                <a16:creationId xmlns:a16="http://schemas.microsoft.com/office/drawing/2014/main" id="{A6555C08-18DE-494E-85B5-13953AC78BD8}"/>
+              </a:ext>
+            </a:extLst>
+          </p:cNvPr>
+          <p:cNvSpPr txBox="1">
+            <a:spLocks/>
+          </p:cNvSpPr>
+          <p:nvPr/>
         </p:nvSpPr>
         <p:spPr>
           <a:xfrm>
-            <a:off x="455612" y="2590800"/>
-            <a:ext cx="4800600" cy="4191000"/>
+            <a:off x="684212" y="1143000"/>
+            <a:ext cx="10287000" cy="4876800"/>
           </a:xfrm>
+          <a:prstGeom prst="rect">
+            <a:avLst/>
+          </a:prstGeom>
         </p:spPr>
         <p:txBody>
-          <a:bodyPr/>
-          <a:lstStyle/>
+          <a:bodyPr vert="horz" lIns="91440" tIns="45720" rIns="91440" bIns="45720" rtlCol="0">
+            <a:normAutofit fontScale="92500" lnSpcReduction="10000"/>
+          </a:bodyPr>
+          <a:lstStyle>
+            <a:lvl1pPr marL="274320" indent="-228600" algn="l" defTabSz="914400" rtl="0" eaLnBrk="1" latinLnBrk="0" hangingPunct="1">
+              <a:lnSpc>
+                <a:spcPct val="90000"/>
+              </a:lnSpc>
+              <a:spcBef>
+                <a:spcPts val="1800"/>
+              </a:spcBef>
+              <a:buClr>
+                <a:schemeClr val="tx1">
+                  <a:lumMod val="65000"/>
+                  <a:lumOff val="35000"/>
+                </a:schemeClr>
+              </a:buClr>
+              <a:buSzPct val="80000"/>
+              <a:buFont typeface="Arial" pitchFamily="34" charset="0"/>
+              <a:buChar char="•"/>
+              <a:defRPr sz="2000" kern="1200">
+                <a:solidFill>
+                  <a:schemeClr val="tx1"/>
+                </a:solidFill>
+                <a:latin typeface="+mn-lt"/>
+                <a:ea typeface="+mn-ea"/>
+                <a:cs typeface="+mn-cs"/>
+              </a:defRPr>
+            </a:lvl1pPr>
+            <a:lvl2pPr marL="594360" indent="-228600" algn="l" defTabSz="914400" rtl="0" eaLnBrk="1" latinLnBrk="0" hangingPunct="1">
+              <a:lnSpc>
+                <a:spcPct val="90000"/>
+              </a:lnSpc>
+              <a:spcBef>
+                <a:spcPts val="1000"/>
+              </a:spcBef>
+              <a:buClr>
+                <a:schemeClr val="tx1">
+                  <a:lumMod val="65000"/>
+                  <a:lumOff val="35000"/>
+                </a:schemeClr>
+              </a:buClr>
+              <a:buSzPct val="80000"/>
+              <a:buFont typeface="Arial" pitchFamily="34" charset="0"/>
+              <a:buChar char="•"/>
+              <a:defRPr sz="1800" kern="1200">
+                <a:solidFill>
+                  <a:schemeClr val="tx1"/>
+                </a:solidFill>
+                <a:latin typeface="+mn-lt"/>
+                <a:ea typeface="+mn-ea"/>
+                <a:cs typeface="+mn-cs"/>
+              </a:defRPr>
+            </a:lvl2pPr>
+            <a:lvl3pPr marL="777240" indent="-182880" algn="l" defTabSz="914400" rtl="0" eaLnBrk="1" latinLnBrk="0" hangingPunct="1">
+              <a:lnSpc>
+                <a:spcPct val="90000"/>
+              </a:lnSpc>
+              <a:spcBef>
+                <a:spcPts val="600"/>
+              </a:spcBef>
+              <a:buClr>
+                <a:schemeClr val="tx1">
+                  <a:lumMod val="65000"/>
+                  <a:lumOff val="35000"/>
+                </a:schemeClr>
+              </a:buClr>
+              <a:buSzPct val="80000"/>
+              <a:buFont typeface="Arial" pitchFamily="34" charset="0"/>
+              <a:buChar char="•"/>
+              <a:defRPr sz="1600" kern="1200">
+                <a:solidFill>
+                  <a:schemeClr val="tx1"/>
+                </a:solidFill>
+                <a:latin typeface="+mn-lt"/>
+                <a:ea typeface="+mn-ea"/>
+                <a:cs typeface="+mn-cs"/>
+              </a:defRPr>
+            </a:lvl3pPr>
+            <a:lvl4pPr marL="960120" indent="-182880" algn="l" defTabSz="914400" rtl="0" eaLnBrk="1" latinLnBrk="0" hangingPunct="1">
+              <a:lnSpc>
+                <a:spcPct val="90000"/>
+              </a:lnSpc>
+              <a:spcBef>
+                <a:spcPts val="600"/>
+              </a:spcBef>
+              <a:buClr>
+                <a:schemeClr val="tx1">
+                  <a:lumMod val="65000"/>
+                  <a:lumOff val="35000"/>
+                </a:schemeClr>
+              </a:buClr>
+              <a:buSzPct val="80000"/>
+              <a:buFont typeface="Arial" pitchFamily="34" charset="0"/>
+              <a:buChar char="•"/>
+              <a:defRPr sz="1400" kern="1200">
+                <a:solidFill>
+                  <a:schemeClr val="tx1"/>
+                </a:solidFill>
+                <a:latin typeface="+mn-lt"/>
+                <a:ea typeface="+mn-ea"/>
+                <a:cs typeface="+mn-cs"/>
+              </a:defRPr>
+            </a:lvl4pPr>
+            <a:lvl5pPr marL="1097280" indent="-137160" algn="l" defTabSz="914400" rtl="0" eaLnBrk="1" latinLnBrk="0" hangingPunct="1">
+              <a:lnSpc>
+                <a:spcPct val="90000"/>
+              </a:lnSpc>
+              <a:spcBef>
+                <a:spcPts val="600"/>
+              </a:spcBef>
+              <a:buClr>
+                <a:schemeClr val="tx1">
+                  <a:lumMod val="65000"/>
+                  <a:lumOff val="35000"/>
+                </a:schemeClr>
+              </a:buClr>
+              <a:buSzPct val="80000"/>
+              <a:buFont typeface="Arial" pitchFamily="34" charset="0"/>
+              <a:buChar char="•"/>
+              <a:defRPr sz="1400" kern="1200">
+                <a:solidFill>
+                  <a:schemeClr val="tx1"/>
+                </a:solidFill>
+                <a:latin typeface="+mn-lt"/>
+                <a:ea typeface="+mn-ea"/>
+                <a:cs typeface="+mn-cs"/>
+              </a:defRPr>
+            </a:lvl5pPr>
+            <a:lvl6pPr marL="1234440" indent="-137160" algn="l" defTabSz="914400" rtl="0" eaLnBrk="1" latinLnBrk="0" hangingPunct="1">
+              <a:spcBef>
+                <a:spcPts val="600"/>
+              </a:spcBef>
+              <a:buSzPct val="80000"/>
+              <a:buFont typeface="Arial" pitchFamily="34" charset="0"/>
+              <a:buChar char="•"/>
+              <a:defRPr sz="1400" kern="1200">
+                <a:solidFill>
+                  <a:schemeClr val="tx1">
+                    <a:lumMod val="65000"/>
+                    <a:lumOff val="35000"/>
+                  </a:schemeClr>
+                </a:solidFill>
+                <a:latin typeface="+mn-lt"/>
+                <a:ea typeface="+mn-ea"/>
+                <a:cs typeface="+mn-cs"/>
+              </a:defRPr>
+            </a:lvl6pPr>
+            <a:lvl7pPr marL="1371600" indent="-137160" algn="l" defTabSz="914400" rtl="0" eaLnBrk="1" latinLnBrk="0" hangingPunct="1">
+              <a:spcBef>
+                <a:spcPts val="600"/>
+              </a:spcBef>
+              <a:buSzPct val="80000"/>
+              <a:buFont typeface="Arial" pitchFamily="34" charset="0"/>
+              <a:buChar char="•"/>
+              <a:defRPr sz="1400" kern="1200">
+                <a:solidFill>
+                  <a:schemeClr val="tx1">
+                    <a:lumMod val="65000"/>
+                    <a:lumOff val="35000"/>
+                  </a:schemeClr>
+                </a:solidFill>
+                <a:latin typeface="+mn-lt"/>
+                <a:ea typeface="+mn-ea"/>
+                <a:cs typeface="+mn-cs"/>
+              </a:defRPr>
+            </a:lvl7pPr>
+            <a:lvl8pPr marL="1508760" indent="-137160" algn="l" defTabSz="914400" rtl="0" eaLnBrk="1" latinLnBrk="0" hangingPunct="1">
+              <a:spcBef>
+                <a:spcPts val="600"/>
+              </a:spcBef>
+              <a:buSzPct val="80000"/>
+              <a:buFont typeface="Arial" pitchFamily="34" charset="0"/>
+              <a:buChar char="•"/>
+              <a:defRPr sz="1400" kern="1200">
+                <a:solidFill>
+                  <a:schemeClr val="tx1">
+                    <a:lumMod val="65000"/>
+                    <a:lumOff val="35000"/>
+                  </a:schemeClr>
+                </a:solidFill>
+                <a:latin typeface="+mn-lt"/>
+                <a:ea typeface="+mn-ea"/>
+                <a:cs typeface="+mn-cs"/>
+              </a:defRPr>
+            </a:lvl8pPr>
+            <a:lvl9pPr marL="1645920" indent="-137160" algn="l" defTabSz="914400" rtl="0" eaLnBrk="1" latinLnBrk="0" hangingPunct="1">
+              <a:spcBef>
+                <a:spcPts val="600"/>
+              </a:spcBef>
+              <a:buSzPct val="80000"/>
+              <a:buFont typeface="Arial" pitchFamily="34" charset="0"/>
+              <a:buChar char="•"/>
+              <a:defRPr sz="1400" kern="1200">
+                <a:solidFill>
+                  <a:schemeClr val="tx1">
+                    <a:lumMod val="65000"/>
+                    <a:lumOff val="35000"/>
+                  </a:schemeClr>
+                </a:solidFill>
+                <a:latin typeface="+mn-lt"/>
+                <a:ea typeface="+mn-ea"/>
+                <a:cs typeface="+mn-cs"/>
+              </a:defRPr>
+            </a:lvl9pPr>
+          </a:lstStyle>
           <a:p>
             <a:r>
               <a:rPr lang="en-US" dirty="0"/>
-              <a:t>Deep Learning is a field of Machine Learning that allows computational models that are composed of multiple processing layers of representation and abstraction that help to make sense of data such as images, sound, and text.</a:t>
+              <a:t>Memorize what items work the best for each query and it is generalized linear model of form below: </a:t>
             </a:r>
           </a:p>
           <a:p>
             <a:endParaRPr lang="en-US" dirty="0"/>
           </a:p>
           <a:p>
-            <a:r>
-              <a:rPr lang="en-US"/>
-              <a:t>https://medium.com/@libreai/a-glimpse-into-deep-learning-for-recommender-systems-d66ae0681775</a:t>
-            </a:r>
+            <a:pPr lvl="1"/>
+            <a:r>
+              <a:rPr lang="en-US" dirty="0"/>
+              <a:t>y is the prediction</a:t>
+            </a:r>
+          </a:p>
+          <a:p>
+            <a:pPr lvl="1"/>
+            <a:r>
+              <a:rPr lang="en-US" dirty="0"/>
+              <a:t>X = [x1, x2, ……, </a:t>
+            </a:r>
+            <a:r>
+              <a:rPr lang="en-US" dirty="0" err="1"/>
+              <a:t>xd</a:t>
+            </a:r>
+            <a:r>
+              <a:rPr lang="en-US" dirty="0"/>
+              <a:t>] is a vector of d features</a:t>
+            </a:r>
+          </a:p>
+          <a:p>
+            <a:pPr lvl="1"/>
+            <a:r>
+              <a:rPr lang="en-US" dirty="0"/>
+              <a:t>W = [w1, w2,....., </a:t>
+            </a:r>
+            <a:r>
+              <a:rPr lang="en-US" dirty="0" err="1"/>
+              <a:t>wd</a:t>
+            </a:r>
+            <a:r>
+              <a:rPr lang="en-US" dirty="0"/>
+              <a:t>] are model parameters</a:t>
+            </a:r>
+          </a:p>
+          <a:p>
+            <a:pPr lvl="1"/>
+            <a:r>
+              <a:rPr lang="en-US" dirty="0"/>
+              <a:t>b is bias</a:t>
+            </a:r>
+          </a:p>
+          <a:p>
+            <a:r>
+              <a:rPr lang="en-US" dirty="0"/>
+              <a:t>Capture interactions between binary features, adds nonlinearity to generalized model.</a:t>
+            </a:r>
+          </a:p>
+          <a:p>
             <a:endParaRPr lang="en-US" dirty="0"/>
+          </a:p>
+          <a:p>
+            <a:pPr marL="45720" indent="0">
+              <a:buNone/>
+            </a:pPr>
+            <a:endParaRPr lang="en-US" dirty="0"/>
+          </a:p>
+          <a:p>
+            <a:r>
+              <a:rPr lang="en-US" dirty="0"/>
+              <a:t>Train a linear model in </a:t>
+            </a:r>
+            <a:r>
+              <a:rPr lang="en-US" dirty="0" err="1"/>
+              <a:t>TensorFlow</a:t>
+            </a:r>
+            <a:r>
+              <a:rPr lang="en-US" dirty="0"/>
+              <a:t> with a wide set of cross-product feature transformations to capture how the co-occurrence of a query-item feature pair correlates with the target label (here 1/0).</a:t>
+            </a:r>
           </a:p>
         </p:txBody>
       </p:sp>
       <p:pic>
         <p:nvPicPr>
-          <p:cNvPr id="1026" name="Picture 2" descr="https://cdn-images-1.medium.com/max/1800/1*vdHyRQfjt9__LKGgJsC2Kg.png">
+          <p:cNvPr id="9" name="Picture 8">
             <a:extLst>
               <a:ext uri="{FF2B5EF4-FFF2-40B4-BE49-F238E27FC236}">
-                <a16:creationId xmlns:a16="http://schemas.microsoft.com/office/drawing/2014/main" id="{96529621-A719-4524-9C2A-2A3861DB993C}"/>
+                <a16:creationId xmlns:a16="http://schemas.microsoft.com/office/drawing/2014/main" id="{230DF2ED-C36D-436A-9EB3-458A82C30309}"/>
               </a:ext>
             </a:extLst>
           </p:cNvPr>
           <p:cNvPicPr>
-            <a:picLocks noChangeAspect="1" noChangeArrowheads="1"/>
+            <a:picLocks noChangeAspect="1"/>
           </p:cNvPicPr>
           <p:nvPr/>
+        </p:nvPicPr>
+        <p:blipFill>
+          <a:blip r:embed="rId2"/>
+          <a:stretch>
+            <a:fillRect/>
+          </a:stretch>
+        </p:blipFill>
+        <p:spPr>
+          <a:xfrm>
+            <a:off x="3884612" y="1676400"/>
+            <a:ext cx="2901462" cy="685800"/>
+          </a:xfrm>
+          <a:prstGeom prst="rect">
+            <a:avLst/>
+          </a:prstGeom>
+        </p:spPr>
+      </p:pic>
+      <p:pic>
+        <p:nvPicPr>
+          <p:cNvPr id="12" name="Picture 11">
+            <a:extLst>
+              <a:ext uri="{FF2B5EF4-FFF2-40B4-BE49-F238E27FC236}">
+                <a16:creationId xmlns:a16="http://schemas.microsoft.com/office/drawing/2014/main" id="{314C95AC-A197-418B-809C-066B0374A179}"/>
+              </a:ext>
+            </a:extLst>
+          </p:cNvPr>
+          <p:cNvPicPr>
+            <a:picLocks noChangeAspect="1"/>
+          </p:cNvPicPr>
+          <p:nvPr/>
+        </p:nvPicPr>
+        <p:blipFill>
+          <a:blip r:embed="rId3"/>
+          <a:stretch>
+            <a:fillRect/>
+          </a:stretch>
+        </p:blipFill>
+        <p:spPr>
+          <a:xfrm>
+            <a:off x="3503612" y="3962400"/>
+            <a:ext cx="3524250" cy="838200"/>
+          </a:xfrm>
+          <a:prstGeom prst="rect">
+            <a:avLst/>
+          </a:prstGeom>
+        </p:spPr>
+      </p:pic>
+    </p:spTree>
+    <p:extLst>
+      <p:ext uri="{BB962C8B-B14F-4D97-AF65-F5344CB8AC3E}">
+        <p14:creationId xmlns:p14="http://schemas.microsoft.com/office/powerpoint/2010/main" val="1714308234"/>
+      </p:ext>
+    </p:extLst>
+  </p:cSld>
+  <p:clrMapOvr>
+    <a:masterClrMapping/>
+  </p:clrMapOvr>
+  <mc:AlternateContent xmlns:mc="http://schemas.openxmlformats.org/markup-compatibility/2006" xmlns:p14="http://schemas.microsoft.com/office/powerpoint/2010/main">
+    <mc:Choice Requires="p14">
+      <p:transition spd="med" p14:dur="700">
+        <p:fade/>
+      </p:transition>
+    </mc:Choice>
+    <mc:Fallback xmlns="">
+      <p:transition spd="med">
+        <p:fade/>
+      </p:transition>
+    </mc:Fallback>
+  </mc:AlternateContent>
+</p:sld>
+</file>
+
+<file path=ppt/slides/slide8.xml><?xml version="1.0" encoding="utf-8"?>
+<p:sld xmlns:a="http://schemas.openxmlformats.org/drawingml/2006/main" xmlns:r="http://schemas.openxmlformats.org/officeDocument/2006/relationships" xmlns:p="http://schemas.openxmlformats.org/presentationml/2006/main">
+  <p:cSld>
+    <p:spTree>
+      <p:nvGrpSpPr>
+        <p:cNvPr id="1" name=""/>
+        <p:cNvGrpSpPr/>
+        <p:nvPr/>
+      </p:nvGrpSpPr>
+      <p:grpSpPr>
+        <a:xfrm>
+          <a:off x="0" y="0"/>
+          <a:ext cx="0" cy="0"/>
+          <a:chOff x="0" y="0"/>
+          <a:chExt cx="0" cy="0"/>
+        </a:xfrm>
+      </p:grpSpPr>
+      <p:sp>
+        <p:nvSpPr>
+          <p:cNvPr id="2" name="Title 1">
+            <a:extLst>
+              <a:ext uri="{FF2B5EF4-FFF2-40B4-BE49-F238E27FC236}">
+                <a16:creationId xmlns:a16="http://schemas.microsoft.com/office/drawing/2014/main" id="{85DC69E7-01DE-446E-BEEB-9F4BDAE83BF5}"/>
+              </a:ext>
+            </a:extLst>
+          </p:cNvPr>
+          <p:cNvSpPr>
+            <a:spLocks noGrp="1"/>
+          </p:cNvSpPr>
+          <p:nvPr>
+            <p:ph type="title"/>
+          </p:nvPr>
+        </p:nvSpPr>
+        <p:spPr>
+          <a:xfrm>
+            <a:off x="989012" y="76200"/>
+            <a:ext cx="8686801" cy="851905"/>
+          </a:xfrm>
+        </p:spPr>
+        <p:txBody>
+          <a:bodyPr/>
+          <a:lstStyle/>
+          <a:p>
+            <a:r>
+              <a:rPr lang="en-US" dirty="0"/>
+              <a:t>Wide Component Example</a:t>
+            </a:r>
+          </a:p>
+        </p:txBody>
+      </p:sp>
+      <p:pic>
+        <p:nvPicPr>
+          <p:cNvPr id="5" name="Picture 2" descr="https://2.bp.blogspot.com/-I_YshHCoxNs/V3Mg5QG4s-I/AAAAAAAABG8/6hHCKiUhcF03kJrLTVJd6Al-MX4sR_bUACKgB/s1600/image02.png">
+            <a:extLst>
+              <a:ext uri="{FF2B5EF4-FFF2-40B4-BE49-F238E27FC236}">
+                <a16:creationId xmlns:a16="http://schemas.microsoft.com/office/drawing/2014/main" id="{D74362DD-8517-41A4-BC35-317CCBB66868}"/>
+              </a:ext>
+            </a:extLst>
+          </p:cNvPr>
+          <p:cNvPicPr>
+            <a:picLocks noGrp="1" noChangeAspect="1" noChangeArrowheads="1"/>
+          </p:cNvPicPr>
+          <p:nvPr>
+            <p:ph idx="1"/>
+          </p:nvPr>
         </p:nvPicPr>
         <p:blipFill>
           <a:blip r:embed="rId2">
@@ -4750,8 +6368,8 @@
         </p:blipFill>
         <p:spPr bwMode="auto">
           <a:xfrm>
-            <a:off x="5119617" y="1447800"/>
-            <a:ext cx="6461195" cy="4110038"/>
+            <a:off x="608012" y="3124200"/>
+            <a:ext cx="10210800" cy="2426043"/>
           </a:xfrm>
           <a:prstGeom prst="rect">
             <a:avLst/>
@@ -4768,10 +6386,586 @@
           </a:extLst>
         </p:spPr>
       </p:pic>
+      <p:pic>
+        <p:nvPicPr>
+          <p:cNvPr id="6" name="Graphic 5" descr="Thumbs Up Sign">
+            <a:extLst>
+              <a:ext uri="{FF2B5EF4-FFF2-40B4-BE49-F238E27FC236}">
+                <a16:creationId xmlns:a16="http://schemas.microsoft.com/office/drawing/2014/main" id="{84E1DDC9-DF4B-45CB-A7D7-3B53C96CBA41}"/>
+              </a:ext>
+            </a:extLst>
+          </p:cNvPr>
+          <p:cNvPicPr>
+            <a:picLocks noChangeAspect="1"/>
+          </p:cNvPicPr>
+          <p:nvPr/>
+        </p:nvPicPr>
+        <p:blipFill>
+          <a:blip r:embed="rId3">
+            <a:extLst>
+              <a:ext uri="{28A0092B-C50C-407E-A947-70E740481C1C}">
+                <a14:useLocalDpi xmlns:a14="http://schemas.microsoft.com/office/drawing/2010/main" val="0"/>
+              </a:ext>
+              <a:ext uri="{96DAC541-7B7A-43D3-8B79-37D633B846F1}">
+                <asvg:svgBlip xmlns:asvg="http://schemas.microsoft.com/office/drawing/2016/SVG/main" r:embed="rId4"/>
+              </a:ext>
+            </a:extLst>
+          </a:blip>
+          <a:stretch>
+            <a:fillRect/>
+          </a:stretch>
+        </p:blipFill>
+        <p:spPr>
+          <a:xfrm rot="10800000">
+            <a:off x="2528252" y="5334000"/>
+            <a:ext cx="670560" cy="670560"/>
+          </a:xfrm>
+          <a:prstGeom prst="rect">
+            <a:avLst/>
+          </a:prstGeom>
+        </p:spPr>
+      </p:pic>
+      <p:pic>
+        <p:nvPicPr>
+          <p:cNvPr id="7" name="Graphic 6" descr="Thumbs Up Sign">
+            <a:extLst>
+              <a:ext uri="{FF2B5EF4-FFF2-40B4-BE49-F238E27FC236}">
+                <a16:creationId xmlns:a16="http://schemas.microsoft.com/office/drawing/2014/main" id="{20F4C3A7-D7C2-4F64-8CCF-4C5D4B3D5424}"/>
+              </a:ext>
+            </a:extLst>
+          </p:cNvPr>
+          <p:cNvPicPr>
+            <a:picLocks noChangeAspect="1"/>
+          </p:cNvPicPr>
+          <p:nvPr/>
+        </p:nvPicPr>
+        <p:blipFill>
+          <a:blip r:embed="rId5">
+            <a:extLst>
+              <a:ext uri="{28A0092B-C50C-407E-A947-70E740481C1C}">
+                <a14:useLocalDpi xmlns:a14="http://schemas.microsoft.com/office/drawing/2010/main" val="0"/>
+              </a:ext>
+              <a:ext uri="{96DAC541-7B7A-43D3-8B79-37D633B846F1}">
+                <asvg:svgBlip xmlns:asvg="http://schemas.microsoft.com/office/drawing/2016/SVG/main" r:embed="rId6"/>
+              </a:ext>
+            </a:extLst>
+          </a:blip>
+          <a:stretch>
+            <a:fillRect/>
+          </a:stretch>
+        </p:blipFill>
+        <p:spPr>
+          <a:xfrm>
+            <a:off x="8228012" y="5334000"/>
+            <a:ext cx="609600" cy="609600"/>
+          </a:xfrm>
+          <a:prstGeom prst="rect">
+            <a:avLst/>
+          </a:prstGeom>
+        </p:spPr>
+      </p:pic>
+      <p:sp>
+        <p:nvSpPr>
+          <p:cNvPr id="8" name="TextBox 7">
+            <a:extLst>
+              <a:ext uri="{FF2B5EF4-FFF2-40B4-BE49-F238E27FC236}">
+                <a16:creationId xmlns:a16="http://schemas.microsoft.com/office/drawing/2014/main" id="{208A9FD2-2235-457B-A295-D474711F6DC7}"/>
+              </a:ext>
+            </a:extLst>
+          </p:cNvPr>
+          <p:cNvSpPr txBox="1"/>
+          <p:nvPr/>
+        </p:nvSpPr>
+        <p:spPr>
+          <a:xfrm>
+            <a:off x="989012" y="1330493"/>
+            <a:ext cx="9144000" cy="1711944"/>
+          </a:xfrm>
+          <a:prstGeom prst="rect">
+            <a:avLst/>
+          </a:prstGeom>
+          <a:noFill/>
+          <a:ln>
+            <a:solidFill>
+              <a:schemeClr val="bg2"/>
+            </a:solidFill>
+          </a:ln>
+        </p:spPr>
+        <p:txBody>
+          <a:bodyPr wrap="square" rtlCol="0" anchor="ctr" anchorCtr="1">
+            <a:spAutoFit/>
+          </a:bodyPr>
+          <a:lstStyle/>
+          <a:p>
+            <a:pPr marL="285750" indent="-285750">
+              <a:lnSpc>
+                <a:spcPct val="150000"/>
+              </a:lnSpc>
+              <a:buFont typeface="Arial" panose="020B0604020202020204" pitchFamily="34" charset="0"/>
+              <a:buChar char="•"/>
+            </a:pPr>
+            <a:r>
+              <a:rPr lang="en-US" dirty="0"/>
+              <a:t>For example, the model learns that feature and predicts:</a:t>
+            </a:r>
+          </a:p>
+          <a:p>
+            <a:pPr marL="742950" lvl="1" indent="-285750">
+              <a:lnSpc>
+                <a:spcPct val="150000"/>
+              </a:lnSpc>
+              <a:buFont typeface="Arial" panose="020B0604020202020204" pitchFamily="34" charset="0"/>
+              <a:buChar char="•"/>
+            </a:pPr>
+            <a:r>
+              <a:rPr lang="en-US" dirty="0"/>
+              <a:t>AND(query="fried chicken", item="chicken and waffles") is Liked by User,</a:t>
+            </a:r>
+          </a:p>
+          <a:p>
+            <a:pPr marL="742950" lvl="1" indent="-285750">
+              <a:lnSpc>
+                <a:spcPct val="150000"/>
+              </a:lnSpc>
+              <a:buFont typeface="Arial" panose="020B0604020202020204" pitchFamily="34" charset="0"/>
+              <a:buChar char="•"/>
+            </a:pPr>
+            <a:r>
+              <a:rPr lang="en-US" dirty="0"/>
+              <a:t>AND(query="fried chicken", item="chicken fried rice") is Not Liked by User even though the character match is higher.</a:t>
+            </a:r>
+          </a:p>
+        </p:txBody>
+      </p:sp>
+      <p:sp>
+        <p:nvSpPr>
+          <p:cNvPr id="9" name="Content Placeholder 2">
+            <a:extLst>
+              <a:ext uri="{FF2B5EF4-FFF2-40B4-BE49-F238E27FC236}">
+                <a16:creationId xmlns:a16="http://schemas.microsoft.com/office/drawing/2014/main" id="{4E834387-6055-42B2-B579-91572C309A29}"/>
+              </a:ext>
+            </a:extLst>
+          </p:cNvPr>
+          <p:cNvSpPr txBox="1">
+            <a:spLocks/>
+          </p:cNvSpPr>
+          <p:nvPr/>
+        </p:nvSpPr>
+        <p:spPr>
+          <a:xfrm>
+            <a:off x="1065212" y="1828800"/>
+            <a:ext cx="8686801" cy="4191000"/>
+          </a:xfrm>
+          <a:prstGeom prst="rect">
+            <a:avLst/>
+          </a:prstGeom>
+        </p:spPr>
+        <p:txBody>
+          <a:bodyPr vert="horz" lIns="91440" tIns="45720" rIns="91440" bIns="45720" rtlCol="0">
+            <a:normAutofit/>
+          </a:bodyPr>
+          <a:lstStyle>
+            <a:lvl1pPr marL="274320" indent="-228600" algn="l" defTabSz="914400" rtl="0" eaLnBrk="1" latinLnBrk="0" hangingPunct="1">
+              <a:lnSpc>
+                <a:spcPct val="90000"/>
+              </a:lnSpc>
+              <a:spcBef>
+                <a:spcPts val="1800"/>
+              </a:spcBef>
+              <a:buClr>
+                <a:schemeClr val="tx1">
+                  <a:lumMod val="65000"/>
+                  <a:lumOff val="35000"/>
+                </a:schemeClr>
+              </a:buClr>
+              <a:buSzPct val="80000"/>
+              <a:buFont typeface="Arial" pitchFamily="34" charset="0"/>
+              <a:buChar char="•"/>
+              <a:defRPr sz="2000" kern="1200">
+                <a:solidFill>
+                  <a:schemeClr val="tx1"/>
+                </a:solidFill>
+                <a:latin typeface="+mn-lt"/>
+                <a:ea typeface="+mn-ea"/>
+                <a:cs typeface="+mn-cs"/>
+              </a:defRPr>
+            </a:lvl1pPr>
+            <a:lvl2pPr marL="594360" indent="-228600" algn="l" defTabSz="914400" rtl="0" eaLnBrk="1" latinLnBrk="0" hangingPunct="1">
+              <a:lnSpc>
+                <a:spcPct val="90000"/>
+              </a:lnSpc>
+              <a:spcBef>
+                <a:spcPts val="1000"/>
+              </a:spcBef>
+              <a:buClr>
+                <a:schemeClr val="tx1">
+                  <a:lumMod val="65000"/>
+                  <a:lumOff val="35000"/>
+                </a:schemeClr>
+              </a:buClr>
+              <a:buSzPct val="80000"/>
+              <a:buFont typeface="Arial" pitchFamily="34" charset="0"/>
+              <a:buChar char="•"/>
+              <a:defRPr sz="1800" kern="1200">
+                <a:solidFill>
+                  <a:schemeClr val="tx1"/>
+                </a:solidFill>
+                <a:latin typeface="+mn-lt"/>
+                <a:ea typeface="+mn-ea"/>
+                <a:cs typeface="+mn-cs"/>
+              </a:defRPr>
+            </a:lvl2pPr>
+            <a:lvl3pPr marL="777240" indent="-182880" algn="l" defTabSz="914400" rtl="0" eaLnBrk="1" latinLnBrk="0" hangingPunct="1">
+              <a:lnSpc>
+                <a:spcPct val="90000"/>
+              </a:lnSpc>
+              <a:spcBef>
+                <a:spcPts val="600"/>
+              </a:spcBef>
+              <a:buClr>
+                <a:schemeClr val="tx1">
+                  <a:lumMod val="65000"/>
+                  <a:lumOff val="35000"/>
+                </a:schemeClr>
+              </a:buClr>
+              <a:buSzPct val="80000"/>
+              <a:buFont typeface="Arial" pitchFamily="34" charset="0"/>
+              <a:buChar char="•"/>
+              <a:defRPr sz="1600" kern="1200">
+                <a:solidFill>
+                  <a:schemeClr val="tx1"/>
+                </a:solidFill>
+                <a:latin typeface="+mn-lt"/>
+                <a:ea typeface="+mn-ea"/>
+                <a:cs typeface="+mn-cs"/>
+              </a:defRPr>
+            </a:lvl3pPr>
+            <a:lvl4pPr marL="960120" indent="-182880" algn="l" defTabSz="914400" rtl="0" eaLnBrk="1" latinLnBrk="0" hangingPunct="1">
+              <a:lnSpc>
+                <a:spcPct val="90000"/>
+              </a:lnSpc>
+              <a:spcBef>
+                <a:spcPts val="600"/>
+              </a:spcBef>
+              <a:buClr>
+                <a:schemeClr val="tx1">
+                  <a:lumMod val="65000"/>
+                  <a:lumOff val="35000"/>
+                </a:schemeClr>
+              </a:buClr>
+              <a:buSzPct val="80000"/>
+              <a:buFont typeface="Arial" pitchFamily="34" charset="0"/>
+              <a:buChar char="•"/>
+              <a:defRPr sz="1400" kern="1200">
+                <a:solidFill>
+                  <a:schemeClr val="tx1"/>
+                </a:solidFill>
+                <a:latin typeface="+mn-lt"/>
+                <a:ea typeface="+mn-ea"/>
+                <a:cs typeface="+mn-cs"/>
+              </a:defRPr>
+            </a:lvl4pPr>
+            <a:lvl5pPr marL="1097280" indent="-137160" algn="l" defTabSz="914400" rtl="0" eaLnBrk="1" latinLnBrk="0" hangingPunct="1">
+              <a:lnSpc>
+                <a:spcPct val="90000"/>
+              </a:lnSpc>
+              <a:spcBef>
+                <a:spcPts val="600"/>
+              </a:spcBef>
+              <a:buClr>
+                <a:schemeClr val="tx1">
+                  <a:lumMod val="65000"/>
+                  <a:lumOff val="35000"/>
+                </a:schemeClr>
+              </a:buClr>
+              <a:buSzPct val="80000"/>
+              <a:buFont typeface="Arial" pitchFamily="34" charset="0"/>
+              <a:buChar char="•"/>
+              <a:defRPr sz="1400" kern="1200">
+                <a:solidFill>
+                  <a:schemeClr val="tx1"/>
+                </a:solidFill>
+                <a:latin typeface="+mn-lt"/>
+                <a:ea typeface="+mn-ea"/>
+                <a:cs typeface="+mn-cs"/>
+              </a:defRPr>
+            </a:lvl5pPr>
+            <a:lvl6pPr marL="1234440" indent="-137160" algn="l" defTabSz="914400" rtl="0" eaLnBrk="1" latinLnBrk="0" hangingPunct="1">
+              <a:spcBef>
+                <a:spcPts val="600"/>
+              </a:spcBef>
+              <a:buSzPct val="80000"/>
+              <a:buFont typeface="Arial" pitchFamily="34" charset="0"/>
+              <a:buChar char="•"/>
+              <a:defRPr sz="1400" kern="1200">
+                <a:solidFill>
+                  <a:schemeClr val="tx1">
+                    <a:lumMod val="65000"/>
+                    <a:lumOff val="35000"/>
+                  </a:schemeClr>
+                </a:solidFill>
+                <a:latin typeface="+mn-lt"/>
+                <a:ea typeface="+mn-ea"/>
+                <a:cs typeface="+mn-cs"/>
+              </a:defRPr>
+            </a:lvl6pPr>
+            <a:lvl7pPr marL="1371600" indent="-137160" algn="l" defTabSz="914400" rtl="0" eaLnBrk="1" latinLnBrk="0" hangingPunct="1">
+              <a:spcBef>
+                <a:spcPts val="600"/>
+              </a:spcBef>
+              <a:buSzPct val="80000"/>
+              <a:buFont typeface="Arial" pitchFamily="34" charset="0"/>
+              <a:buChar char="•"/>
+              <a:defRPr sz="1400" kern="1200">
+                <a:solidFill>
+                  <a:schemeClr val="tx1">
+                    <a:lumMod val="65000"/>
+                    <a:lumOff val="35000"/>
+                  </a:schemeClr>
+                </a:solidFill>
+                <a:latin typeface="+mn-lt"/>
+                <a:ea typeface="+mn-ea"/>
+                <a:cs typeface="+mn-cs"/>
+              </a:defRPr>
+            </a:lvl7pPr>
+            <a:lvl8pPr marL="1508760" indent="-137160" algn="l" defTabSz="914400" rtl="0" eaLnBrk="1" latinLnBrk="0" hangingPunct="1">
+              <a:spcBef>
+                <a:spcPts val="600"/>
+              </a:spcBef>
+              <a:buSzPct val="80000"/>
+              <a:buFont typeface="Arial" pitchFamily="34" charset="0"/>
+              <a:buChar char="•"/>
+              <a:defRPr sz="1400" kern="1200">
+                <a:solidFill>
+                  <a:schemeClr val="tx1">
+                    <a:lumMod val="65000"/>
+                    <a:lumOff val="35000"/>
+                  </a:schemeClr>
+                </a:solidFill>
+                <a:latin typeface="+mn-lt"/>
+                <a:ea typeface="+mn-ea"/>
+                <a:cs typeface="+mn-cs"/>
+              </a:defRPr>
+            </a:lvl8pPr>
+            <a:lvl9pPr marL="1645920" indent="-137160" algn="l" defTabSz="914400" rtl="0" eaLnBrk="1" latinLnBrk="0" hangingPunct="1">
+              <a:spcBef>
+                <a:spcPts val="600"/>
+              </a:spcBef>
+              <a:buSzPct val="80000"/>
+              <a:buFont typeface="Arial" pitchFamily="34" charset="0"/>
+              <a:buChar char="•"/>
+              <a:defRPr sz="1400" kern="1200">
+                <a:solidFill>
+                  <a:schemeClr val="tx1">
+                    <a:lumMod val="65000"/>
+                    <a:lumOff val="35000"/>
+                  </a:schemeClr>
+                </a:solidFill>
+                <a:latin typeface="+mn-lt"/>
+                <a:ea typeface="+mn-ea"/>
+                <a:cs typeface="+mn-cs"/>
+              </a:defRPr>
+            </a:lvl9pPr>
+          </a:lstStyle>
+          <a:p>
+            <a:endParaRPr lang="en-US" dirty="0"/>
+          </a:p>
+        </p:txBody>
+      </p:sp>
     </p:spTree>
     <p:extLst>
       <p:ext uri="{BB962C8B-B14F-4D97-AF65-F5344CB8AC3E}">
-        <p14:creationId xmlns:p14="http://schemas.microsoft.com/office/powerpoint/2010/main" val="4259246236"/>
+        <p14:creationId xmlns:p14="http://schemas.microsoft.com/office/powerpoint/2010/main" val="2959068300"/>
+      </p:ext>
+    </p:extLst>
+  </p:cSld>
+  <p:clrMapOvr>
+    <a:masterClrMapping/>
+  </p:clrMapOvr>
+  <mc:AlternateContent xmlns:mc="http://schemas.openxmlformats.org/markup-compatibility/2006" xmlns:p14="http://schemas.microsoft.com/office/powerpoint/2010/main">
+    <mc:Choice Requires="p14">
+      <p:transition spd="med" p14:dur="700">
+        <p:fade/>
+      </p:transition>
+    </mc:Choice>
+    <mc:Fallback xmlns="">
+      <p:transition spd="med">
+        <p:fade/>
+      </p:transition>
+    </mc:Fallback>
+  </mc:AlternateContent>
+</p:sld>
+</file>
+
+<file path=ppt/slides/slide9.xml><?xml version="1.0" encoding="utf-8"?>
+<p:sld xmlns:a="http://schemas.openxmlformats.org/drawingml/2006/main" xmlns:r="http://schemas.openxmlformats.org/officeDocument/2006/relationships" xmlns:p="http://schemas.openxmlformats.org/presentationml/2006/main">
+  <p:cSld>
+    <p:spTree>
+      <p:nvGrpSpPr>
+        <p:cNvPr id="1" name=""/>
+        <p:cNvGrpSpPr/>
+        <p:nvPr/>
+      </p:nvGrpSpPr>
+      <p:grpSpPr>
+        <a:xfrm>
+          <a:off x="0" y="0"/>
+          <a:ext cx="0" cy="0"/>
+          <a:chOff x="0" y="0"/>
+          <a:chExt cx="0" cy="0"/>
+        </a:xfrm>
+      </p:grpSpPr>
+      <p:sp>
+        <p:nvSpPr>
+          <p:cNvPr id="2" name="Title 1">
+            <a:extLst>
+              <a:ext uri="{FF2B5EF4-FFF2-40B4-BE49-F238E27FC236}">
+                <a16:creationId xmlns:a16="http://schemas.microsoft.com/office/drawing/2014/main" id="{ED17985E-D682-41FD-A8BB-0DC76EBD0890}"/>
+              </a:ext>
+            </a:extLst>
+          </p:cNvPr>
+          <p:cNvSpPr>
+            <a:spLocks noGrp="1"/>
+          </p:cNvSpPr>
+          <p:nvPr>
+            <p:ph type="title"/>
+          </p:nvPr>
+        </p:nvSpPr>
+        <p:spPr>
+          <a:xfrm>
+            <a:off x="912812" y="228600"/>
+            <a:ext cx="8686801" cy="609600"/>
+          </a:xfrm>
+        </p:spPr>
+        <p:txBody>
+          <a:bodyPr/>
+          <a:lstStyle/>
+          <a:p>
+            <a:r>
+              <a:rPr lang="en-US" dirty="0"/>
+              <a:t>The Deep Component</a:t>
+            </a:r>
+          </a:p>
+        </p:txBody>
+      </p:sp>
+      <p:sp>
+        <p:nvSpPr>
+          <p:cNvPr id="3" name="Content Placeholder 2">
+            <a:extLst>
+              <a:ext uri="{FF2B5EF4-FFF2-40B4-BE49-F238E27FC236}">
+                <a16:creationId xmlns:a16="http://schemas.microsoft.com/office/drawing/2014/main" id="{2A37A140-8FB7-4104-AB63-44CE6DAD2F9E}"/>
+              </a:ext>
+            </a:extLst>
+          </p:cNvPr>
+          <p:cNvSpPr>
+            <a:spLocks noGrp="1"/>
+          </p:cNvSpPr>
+          <p:nvPr>
+            <p:ph idx="1"/>
+          </p:nvPr>
+        </p:nvSpPr>
+        <p:spPr>
+          <a:xfrm>
+            <a:off x="989012" y="1143000"/>
+            <a:ext cx="9982200" cy="5029200"/>
+          </a:xfrm>
+        </p:spPr>
+        <p:txBody>
+          <a:bodyPr/>
+          <a:lstStyle/>
+          <a:p>
+            <a:r>
+              <a:rPr lang="en-US" dirty="0"/>
+              <a:t>Is a feed-forward neural network.</a:t>
+            </a:r>
+          </a:p>
+          <a:p>
+            <a:r>
+              <a:rPr lang="en-US" dirty="0"/>
+              <a:t>For categorical features, the original inputs are feature strings (e.g., “language=</a:t>
+            </a:r>
+            <a:r>
+              <a:rPr lang="en-US" dirty="0" err="1"/>
+              <a:t>en</a:t>
+            </a:r>
+            <a:r>
+              <a:rPr lang="en-US" dirty="0"/>
+              <a:t>”). Each of these sparse, high-dimensional categorical features are first converted into a low-dimensional and dense real-valued vector, embedding vector.</a:t>
+            </a:r>
+          </a:p>
+          <a:p>
+            <a:r>
+              <a:rPr lang="en-US" dirty="0"/>
+              <a:t>The embedding vectors are initialized randomly and then the values are trained to minimize the final loss function during model training.</a:t>
+            </a:r>
+          </a:p>
+          <a:p>
+            <a:r>
+              <a:rPr lang="en-US" dirty="0"/>
+              <a:t>These low-dimensional dense embedding vectors are then fed into the hidden layers of a neural network in the forward pass.</a:t>
+            </a:r>
+          </a:p>
+          <a:p>
+            <a:endParaRPr lang="en-US" dirty="0"/>
+          </a:p>
+          <a:p>
+            <a:endParaRPr lang="en-US" dirty="0"/>
+          </a:p>
+          <a:p>
+            <a:r>
+              <a:rPr lang="en-US" dirty="0"/>
+              <a:t>l is the layer number and Activation Function f used here is </a:t>
+            </a:r>
+            <a:r>
+              <a:rPr lang="en-US" dirty="0" err="1"/>
+              <a:t>ReLU</a:t>
+            </a:r>
+            <a:r>
+              <a:rPr lang="en-US" dirty="0"/>
+              <a:t>.</a:t>
+            </a:r>
+          </a:p>
+          <a:p>
+            <a:endParaRPr lang="en-US" dirty="0"/>
+          </a:p>
+          <a:p>
+            <a:endParaRPr lang="en-US" dirty="0"/>
+          </a:p>
+        </p:txBody>
+      </p:sp>
+      <p:pic>
+        <p:nvPicPr>
+          <p:cNvPr id="4" name="Picture 3">
+            <a:extLst>
+              <a:ext uri="{FF2B5EF4-FFF2-40B4-BE49-F238E27FC236}">
+                <a16:creationId xmlns:a16="http://schemas.microsoft.com/office/drawing/2014/main" id="{4F604EC2-6FA1-4B47-9DA6-704937BF71CB}"/>
+              </a:ext>
+            </a:extLst>
+          </p:cNvPr>
+          <p:cNvPicPr>
+            <a:picLocks noChangeAspect="1"/>
+          </p:cNvPicPr>
+          <p:nvPr/>
+        </p:nvPicPr>
+        <p:blipFill>
+          <a:blip r:embed="rId2"/>
+          <a:stretch>
+            <a:fillRect/>
+          </a:stretch>
+        </p:blipFill>
+        <p:spPr>
+          <a:xfrm>
+            <a:off x="3732212" y="4322794"/>
+            <a:ext cx="4511488" cy="782605"/>
+          </a:xfrm>
+          <a:prstGeom prst="rect">
+            <a:avLst/>
+          </a:prstGeom>
+        </p:spPr>
+      </p:pic>
+    </p:spTree>
+    <p:extLst>
+      <p:ext uri="{BB962C8B-B14F-4D97-AF65-F5344CB8AC3E}">
+        <p14:creationId xmlns:p14="http://schemas.microsoft.com/office/powerpoint/2010/main" val="1111565212"/>
       </p:ext>
     </p:extLst>
   </p:cSld>
